--- a/src/handsOnD8SiteBuilder.pptx
+++ b/src/handsOnD8SiteBuilder.pptx
@@ -7,8 +7,15 @@
   <p:sldIdLst>
     <p:sldId id="256" r:id="rId2"/>
     <p:sldId id="267" r:id="rId3"/>
-    <p:sldId id="259" r:id="rId4"/>
-    <p:sldId id="266" r:id="rId5"/>
+    <p:sldId id="268" r:id="rId4"/>
+    <p:sldId id="269" r:id="rId5"/>
+    <p:sldId id="270" r:id="rId6"/>
+    <p:sldId id="272" r:id="rId7"/>
+    <p:sldId id="273" r:id="rId8"/>
+    <p:sldId id="274" r:id="rId9"/>
+    <p:sldId id="275" r:id="rId10"/>
+    <p:sldId id="277" r:id="rId11"/>
+    <p:sldId id="266" r:id="rId12"/>
   </p:sldIdLst>
   <p:sldSz cx="9144000" cy="6858000" type="screen4x3"/>
   <p:notesSz cx="6858000" cy="9144000"/>
@@ -3168,7 +3175,7 @@
 </p:sld>
 </file>
 
-<file path=ppt/slides/slide2.xml><?xml version="1.0" encoding="utf-8"?>
+<file path=ppt/slides/slide10.xml><?xml version="1.0" encoding="utf-8"?>
 <p:sld xmlns:a="http://schemas.openxmlformats.org/drawingml/2006/main" xmlns:r="http://schemas.openxmlformats.org/officeDocument/2006/relationships" xmlns:p="http://schemas.openxmlformats.org/presentationml/2006/main">
   <p:cSld>
     <p:spTree>
@@ -3185,39 +3192,77 @@
           <a:chExt cx="0" cy="0"/>
         </a:xfrm>
       </p:grpSpPr>
+      <p:sp>
+        <p:nvSpPr>
+          <p:cNvPr id="2" name="Rectangle 1"/>
+          <p:cNvSpPr/>
+          <p:nvPr/>
+        </p:nvSpPr>
+        <p:spPr>
+          <a:xfrm>
+            <a:off x="638343" y="3964021"/>
+            <a:ext cx="2000605" cy="400110"/>
+          </a:xfrm>
+          <a:prstGeom prst="rect">
+            <a:avLst/>
+          </a:prstGeom>
+        </p:spPr>
+        <p:txBody>
+          <a:bodyPr wrap="square">
+            <a:spAutoFit/>
+          </a:bodyPr>
+          <a:lstStyle/>
+          <a:p>
+            <a:pPr algn="ctr"/>
+            <a:r>
+              <a:rPr lang="en-US" sz="2000" dirty="0" err="1">
+                <a:solidFill>
+                  <a:srgbClr val="FFFFFF"/>
+                </a:solidFill>
+                <a:latin typeface="McLaren"/>
+                <a:cs typeface="McLaren"/>
+              </a:rPr>
+              <a:t>simplytest.me</a:t>
+            </a:r>
+            <a:endParaRPr lang="en-US" sz="2000" dirty="0">
+              <a:solidFill>
+                <a:srgbClr val="FFFFFF"/>
+              </a:solidFill>
+              <a:latin typeface="McLaren"/>
+              <a:cs typeface="McLaren"/>
+            </a:endParaRPr>
+          </a:p>
+        </p:txBody>
+      </p:sp>
       <p:pic>
         <p:nvPicPr>
-          <p:cNvPr id="5" name="Picture 4"/>
+          <p:cNvPr id="4" name="Picture 3"/>
           <p:cNvPicPr>
             <a:picLocks noChangeAspect="1"/>
           </p:cNvPicPr>
           <p:nvPr/>
         </p:nvPicPr>
-        <p:blipFill rotWithShape="1">
+        <p:blipFill>
           <a:blip r:embed="rId2">
-            <a:alphaModFix amt="40000"/>
-            <a:extLst>
-              <a:ext uri="{BEBA8EAE-BF5A-486C-A8C5-ECC9F3942E4B}">
-                <a14:imgProps xmlns:a14="http://schemas.microsoft.com/office/drawing/2010/main">
-                  <a14:imgLayer r:embed="rId3">
-                    <a14:imgEffect>
-                      <a14:colorTemperature colorTemp="5900"/>
-                    </a14:imgEffect>
-                    <a14:imgEffect>
-                      <a14:saturation sat="66000"/>
-                    </a14:imgEffect>
-                  </a14:imgLayer>
-                </a14:imgProps>
-              </a:ext>
-            </a:extLst>
+            <a:clrChange>
+              <a:clrFrom>
+                <a:srgbClr val="000000"/>
+              </a:clrFrom>
+              <a:clrTo>
+                <a:srgbClr val="000000">
+                  <a:alpha val="0"/>
+                </a:srgbClr>
+              </a:clrTo>
+            </a:clrChange>
           </a:blip>
-          <a:srcRect b="23858"/>
-          <a:stretch/>
+          <a:stretch>
+            <a:fillRect/>
+          </a:stretch>
         </p:blipFill>
         <p:spPr>
           <a:xfrm>
-            <a:off x="304800" y="4953000"/>
-            <a:ext cx="2210634" cy="1905000"/>
+            <a:off x="3826261" y="2438400"/>
+            <a:ext cx="1600200" cy="1600200"/>
           </a:xfrm>
           <a:prstGeom prst="rect">
             <a:avLst/>
@@ -3226,123 +3271,110 @@
       </p:pic>
       <p:pic>
         <p:nvPicPr>
-          <p:cNvPr id="7" name="Picture 6" descr="BR_Horizontal_RGB_ƒ.png"/>
+          <p:cNvPr id="6" name="Picture 5"/>
           <p:cNvPicPr>
             <a:picLocks noChangeAspect="1"/>
           </p:cNvPicPr>
           <p:nvPr/>
         </p:nvPicPr>
-        <p:blipFill rotWithShape="1">
-          <a:blip r:embed="rId4">
-            <a:alphaModFix amt="27000"/>
-            <a:extLst>
-              <a:ext uri="{28A0092B-C50C-407E-A947-70E740481C1C}">
-                <a14:useLocalDpi xmlns:a14="http://schemas.microsoft.com/office/drawing/2010/main" val="0"/>
-              </a:ext>
-            </a:extLst>
-          </a:blip>
-          <a:srcRect r="81991"/>
-          <a:stretch/>
+        <p:blipFill>
+          <a:blip r:embed="rId3"/>
+          <a:stretch>
+            <a:fillRect/>
+          </a:stretch>
         </p:blipFill>
         <p:spPr>
           <a:xfrm>
-            <a:off x="7324729" y="6400800"/>
-            <a:ext cx="412839" cy="408026"/>
+            <a:off x="3756411" y="4070238"/>
+            <a:ext cx="1739900" cy="223563"/>
           </a:xfrm>
           <a:prstGeom prst="rect">
             <a:avLst/>
           </a:prstGeom>
         </p:spPr>
       </p:pic>
-      <p:sp>
-        <p:nvSpPr>
-          <p:cNvPr id="8" name="TextBox 7"/>
-          <p:cNvSpPr txBox="1"/>
+      <p:pic>
+        <p:nvPicPr>
+          <p:cNvPr id="10" name="Picture 9"/>
+          <p:cNvPicPr>
+            <a:picLocks noChangeAspect="1"/>
+          </p:cNvPicPr>
           <p:nvPr/>
-        </p:nvSpPr>
+        </p:nvPicPr>
+        <p:blipFill>
+          <a:blip r:embed="rId4"/>
+          <a:stretch>
+            <a:fillRect/>
+          </a:stretch>
+        </p:blipFill>
         <p:spPr>
           <a:xfrm>
-            <a:off x="7662021" y="6439826"/>
-            <a:ext cx="1481979" cy="307777"/>
+            <a:off x="6913663" y="2698074"/>
+            <a:ext cx="1061937" cy="1238926"/>
           </a:xfrm>
           <a:prstGeom prst="rect">
             <a:avLst/>
           </a:prstGeom>
-          <a:noFill/>
         </p:spPr>
-        <p:txBody>
-          <a:bodyPr wrap="square" numCol="1" rtlCol="0">
-            <a:spAutoFit/>
-          </a:bodyPr>
-          <a:lstStyle/>
-          <a:p>
-            <a:pPr algn="r"/>
-            <a:r>
-              <a:rPr lang="en-US" sz="1400" kern="1000" spc="40" dirty="0" smtClean="0">
-                <a:solidFill>
-                  <a:schemeClr val="bg1">
-                    <a:alpha val="25000"/>
-                  </a:schemeClr>
-                </a:solidFill>
-                <a:effectLst/>
-                <a:latin typeface="AppleMyungjo"/>
-                <a:ea typeface="AppleMyungjo"/>
-                <a:cs typeface="AppleMyungjo"/>
-              </a:rPr>
-              <a:t>@blink</a:t>
-            </a:r>
-            <a:r>
-              <a:rPr lang="en-US" sz="500" kern="1000" spc="40" dirty="0" smtClean="0">
-                <a:solidFill>
-                  <a:schemeClr val="bg1">
-                    <a:alpha val="25000"/>
-                  </a:schemeClr>
-                </a:solidFill>
-                <a:effectLst/>
-                <a:latin typeface="AppleMyungjo"/>
-                <a:ea typeface="AppleMyungjo"/>
-                <a:cs typeface="AppleMyungjo"/>
-              </a:rPr>
-              <a:t> </a:t>
-            </a:r>
-            <a:r>
-              <a:rPr lang="en-US" sz="1400" kern="1000" spc="40" dirty="0" smtClean="0">
-                <a:solidFill>
-                  <a:schemeClr val="bg1">
-                    <a:alpha val="25000"/>
-                  </a:schemeClr>
-                </a:solidFill>
-                <a:effectLst/>
-                <a:latin typeface="AppleMyungjo"/>
-                <a:ea typeface="AppleMyungjo"/>
-                <a:cs typeface="AppleMyungjo"/>
-              </a:rPr>
-              <a:t>reaction</a:t>
-            </a:r>
-            <a:endParaRPr lang="en-US" sz="1400" kern="1000" spc="40" dirty="0">
-              <a:solidFill>
-                <a:schemeClr val="bg1">
-                  <a:alpha val="25000"/>
-                </a:schemeClr>
-              </a:solidFill>
-              <a:effectLst/>
-              <a:latin typeface="AppleMyungjo"/>
-              <a:ea typeface="AppleMyungjo"/>
-              <a:cs typeface="AppleMyungjo"/>
-            </a:endParaRPr>
-          </a:p>
-        </p:txBody>
-      </p:sp>
-      <p:sp>
-        <p:nvSpPr>
-          <p:cNvPr id="10" name="Rectangle 9"/>
+      </p:pic>
+      <p:pic>
+        <p:nvPicPr>
+          <p:cNvPr id="12" name="Picture 11"/>
+          <p:cNvPicPr>
+            <a:picLocks noChangeAspect="1"/>
+          </p:cNvPicPr>
+          <p:nvPr/>
+        </p:nvPicPr>
+        <p:blipFill>
+          <a:blip r:embed="rId5"/>
+          <a:stretch>
+            <a:fillRect/>
+          </a:stretch>
+        </p:blipFill>
+        <p:spPr>
+          <a:xfrm>
+            <a:off x="6705600" y="3983788"/>
+            <a:ext cx="1473200" cy="319020"/>
+          </a:xfrm>
+          <a:prstGeom prst="rect">
+            <a:avLst/>
+          </a:prstGeom>
+        </p:spPr>
+      </p:pic>
+      <p:pic>
+        <p:nvPicPr>
+          <p:cNvPr id="7" name="Picture 6"/>
+          <p:cNvPicPr>
+            <a:picLocks noChangeAspect="1"/>
+          </p:cNvPicPr>
+          <p:nvPr/>
+        </p:nvPicPr>
+        <p:blipFill>
+          <a:blip r:embed="rId6"/>
+          <a:stretch>
+            <a:fillRect/>
+          </a:stretch>
+        </p:blipFill>
+        <p:spPr>
+          <a:xfrm flipH="1">
+            <a:off x="1063058" y="2698074"/>
+            <a:ext cx="1092126" cy="1238926"/>
+          </a:xfrm>
+          <a:prstGeom prst="rect">
+            <a:avLst/>
+          </a:prstGeom>
+        </p:spPr>
+      </p:pic>
+      <p:sp>
+        <p:nvSpPr>
+          <p:cNvPr id="8" name="Rectangle 7"/>
           <p:cNvSpPr/>
           <p:nvPr/>
         </p:nvSpPr>
         <p:spPr>
           <a:xfrm>
-            <a:off x="0" y="0"/>
-            <a:ext cx="9144000" cy="6858000"/>
+            <a:off x="0" y="1676400"/>
+            <a:ext cx="9144000" cy="3505200"/>
           </a:xfrm>
           <a:prstGeom prst="rect">
             <a:avLst/>
@@ -3378,520 +3410,24 @@
     </p:spTree>
     <p:extLst>
       <p:ext uri="{BB962C8B-B14F-4D97-AF65-F5344CB8AC3E}">
-        <p14:creationId xmlns:p14="http://schemas.microsoft.com/office/powerpoint/2010/main" val="1788120713"/>
+        <p14:creationId xmlns:p14="http://schemas.microsoft.com/office/powerpoint/2010/main" val="3016380016"/>
       </p:ext>
     </p:extLst>
   </p:cSld>
   <p:clrMapOvr>
     <a:masterClrMapping/>
   </p:clrMapOvr>
+  <p:timing>
+    <p:tnLst>
+      <p:par>
+        <p:cTn xmlns:p14="http://schemas.microsoft.com/office/powerpoint/2010/main" id="1" dur="indefinite" restart="never" nodeType="tmRoot"/>
+      </p:par>
+    </p:tnLst>
+  </p:timing>
 </p:sld>
 </file>
 
-<file path=ppt/slides/slide3.xml><?xml version="1.0" encoding="utf-8"?>
-<p:sld xmlns:a="http://schemas.openxmlformats.org/drawingml/2006/main" xmlns:r="http://schemas.openxmlformats.org/officeDocument/2006/relationships" xmlns:p="http://schemas.openxmlformats.org/presentationml/2006/main">
-  <p:cSld>
-    <p:spTree>
-      <p:nvGrpSpPr>
-        <p:cNvPr id="1" name=""/>
-        <p:cNvGrpSpPr/>
-        <p:nvPr/>
-      </p:nvGrpSpPr>
-      <p:grpSpPr>
-        <a:xfrm>
-          <a:off x="0" y="0"/>
-          <a:ext cx="0" cy="0"/>
-          <a:chOff x="0" y="0"/>
-          <a:chExt cx="0" cy="0"/>
-        </a:xfrm>
-      </p:grpSpPr>
-      <p:pic>
-        <p:nvPicPr>
-          <p:cNvPr id="2" name="Picture 1"/>
-          <p:cNvPicPr>
-            <a:picLocks noChangeAspect="1"/>
-          </p:cNvPicPr>
-          <p:nvPr/>
-        </p:nvPicPr>
-        <p:blipFill>
-          <a:blip r:embed="rId2"/>
-          <a:stretch>
-            <a:fillRect/>
-          </a:stretch>
-        </p:blipFill>
-        <p:spPr>
-          <a:xfrm>
-            <a:off x="777978" y="2222724"/>
-            <a:ext cx="1956311" cy="2219272"/>
-          </a:xfrm>
-          <a:prstGeom prst="rect">
-            <a:avLst/>
-          </a:prstGeom>
-        </p:spPr>
-      </p:pic>
-      <p:sp>
-        <p:nvSpPr>
-          <p:cNvPr id="3" name="TextBox 2"/>
-          <p:cNvSpPr txBox="1"/>
-          <p:nvPr/>
-        </p:nvSpPr>
-        <p:spPr>
-          <a:xfrm>
-            <a:off x="777978" y="4597310"/>
-            <a:ext cx="1956311" cy="369332"/>
-          </a:xfrm>
-          <a:prstGeom prst="rect">
-            <a:avLst/>
-          </a:prstGeom>
-          <a:noFill/>
-        </p:spPr>
-        <p:txBody>
-          <a:bodyPr wrap="square" rtlCol="0">
-            <a:spAutoFit/>
-          </a:bodyPr>
-          <a:lstStyle/>
-          <a:p>
-            <a:pPr algn="r"/>
-            <a:r>
-              <a:rPr lang="en-US" dirty="0" smtClean="0">
-                <a:solidFill>
-                  <a:schemeClr val="bg1"/>
-                </a:solidFill>
-                <a:latin typeface="Anime Ace 2.0 BB"/>
-                <a:cs typeface="Anime Ace 2.0 BB"/>
-              </a:rPr>
-              <a:t>No core</a:t>
-            </a:r>
-            <a:endParaRPr lang="en-US" dirty="0">
-              <a:solidFill>
-                <a:schemeClr val="bg1"/>
-              </a:solidFill>
-              <a:latin typeface="Anime Ace 2.0 BB"/>
-              <a:cs typeface="Anime Ace 2.0 BB"/>
-            </a:endParaRPr>
-          </a:p>
-        </p:txBody>
-      </p:sp>
-      <p:grpSp>
-        <p:nvGrpSpPr>
-          <p:cNvPr id="4" name="Group 3"/>
-          <p:cNvGrpSpPr/>
-          <p:nvPr/>
-        </p:nvGrpSpPr>
-        <p:grpSpPr>
-          <a:xfrm>
-            <a:off x="3893519" y="2222724"/>
-            <a:ext cx="1698000" cy="2219272"/>
-            <a:chOff x="3893519" y="2222724"/>
-            <a:chExt cx="1698000" cy="2219272"/>
-          </a:xfrm>
-        </p:grpSpPr>
-        <p:sp>
-          <p:nvSpPr>
-            <p:cNvPr id="5" name="Left Brace 4"/>
-            <p:cNvSpPr/>
-            <p:nvPr/>
-          </p:nvSpPr>
-          <p:spPr>
-            <a:xfrm>
-              <a:off x="3893519" y="2222724"/>
-              <a:ext cx="303707" cy="704093"/>
-            </a:xfrm>
-            <a:prstGeom prst="leftBrace">
-              <a:avLst/>
-            </a:prstGeom>
-            <a:ln w="57150" cmpd="sng">
-              <a:solidFill>
-                <a:srgbClr val="FFFFFF"/>
-              </a:solidFill>
-            </a:ln>
-          </p:spPr>
-          <p:style>
-            <a:lnRef idx="2">
-              <a:schemeClr val="accent1"/>
-            </a:lnRef>
-            <a:fillRef idx="0">
-              <a:schemeClr val="accent1"/>
-            </a:fillRef>
-            <a:effectRef idx="1">
-              <a:schemeClr val="accent1"/>
-            </a:effectRef>
-            <a:fontRef idx="minor">
-              <a:schemeClr val="tx1"/>
-            </a:fontRef>
-          </p:style>
-          <p:txBody>
-            <a:bodyPr rtlCol="0" anchor="ctr"/>
-            <a:lstStyle/>
-            <a:p>
-              <a:pPr algn="r"/>
-              <a:endParaRPr lang="en-US"/>
-            </a:p>
-          </p:txBody>
-        </p:sp>
-        <p:sp>
-          <p:nvSpPr>
-            <p:cNvPr id="6" name="Left Brace 5"/>
-            <p:cNvSpPr/>
-            <p:nvPr/>
-          </p:nvSpPr>
-          <p:spPr>
-            <a:xfrm flipH="1">
-              <a:off x="3894065" y="3737903"/>
-              <a:ext cx="303707" cy="704093"/>
-            </a:xfrm>
-            <a:prstGeom prst="leftBrace">
-              <a:avLst/>
-            </a:prstGeom>
-            <a:ln w="57150" cmpd="sng">
-              <a:solidFill>
-                <a:srgbClr val="FFFFFF"/>
-              </a:solidFill>
-            </a:ln>
-          </p:spPr>
-          <p:style>
-            <a:lnRef idx="2">
-              <a:schemeClr val="accent1"/>
-            </a:lnRef>
-            <a:fillRef idx="0">
-              <a:schemeClr val="accent1"/>
-            </a:fillRef>
-            <a:effectRef idx="1">
-              <a:schemeClr val="accent1"/>
-            </a:effectRef>
-            <a:fontRef idx="minor">
-              <a:schemeClr val="tx1"/>
-            </a:fontRef>
-          </p:style>
-          <p:txBody>
-            <a:bodyPr rtlCol="0" anchor="ctr"/>
-            <a:lstStyle/>
-            <a:p>
-              <a:pPr algn="r"/>
-              <a:endParaRPr lang="en-US"/>
-            </a:p>
-          </p:txBody>
-        </p:sp>
-        <p:cxnSp>
-          <p:nvCxnSpPr>
-            <p:cNvPr id="8" name="Straight Connector 7"/>
-            <p:cNvCxnSpPr/>
-            <p:nvPr/>
-          </p:nvCxnSpPr>
-          <p:spPr>
-            <a:xfrm>
-              <a:off x="4376690" y="2595480"/>
-              <a:ext cx="773073" cy="0"/>
-            </a:xfrm>
-            <a:prstGeom prst="line">
-              <a:avLst/>
-            </a:prstGeom>
-            <a:ln w="76200" cap="rnd" cmpd="sng">
-              <a:solidFill>
-                <a:srgbClr val="FFFFFF"/>
-              </a:solidFill>
-            </a:ln>
-          </p:spPr>
-          <p:style>
-            <a:lnRef idx="2">
-              <a:schemeClr val="accent1"/>
-            </a:lnRef>
-            <a:fillRef idx="0">
-              <a:schemeClr val="accent1"/>
-            </a:fillRef>
-            <a:effectRef idx="1">
-              <a:schemeClr val="accent1"/>
-            </a:effectRef>
-            <a:fontRef idx="minor">
-              <a:schemeClr val="tx1"/>
-            </a:fontRef>
-          </p:style>
-        </p:cxnSp>
-        <p:cxnSp>
-          <p:nvCxnSpPr>
-            <p:cNvPr id="9" name="Straight Connector 8"/>
-            <p:cNvCxnSpPr/>
-            <p:nvPr/>
-          </p:nvCxnSpPr>
-          <p:spPr>
-            <a:xfrm>
-              <a:off x="4529090" y="2982041"/>
-              <a:ext cx="1062429" cy="0"/>
-            </a:xfrm>
-            <a:prstGeom prst="line">
-              <a:avLst/>
-            </a:prstGeom>
-            <a:ln w="76200" cap="rnd" cmpd="sng">
-              <a:solidFill>
-                <a:srgbClr val="FFFFFF"/>
-              </a:solidFill>
-            </a:ln>
-          </p:spPr>
-          <p:style>
-            <a:lnRef idx="2">
-              <a:schemeClr val="accent1"/>
-            </a:lnRef>
-            <a:fillRef idx="0">
-              <a:schemeClr val="accent1"/>
-            </a:fillRef>
-            <a:effectRef idx="1">
-              <a:schemeClr val="accent1"/>
-            </a:effectRef>
-            <a:fontRef idx="minor">
-              <a:schemeClr val="tx1"/>
-            </a:fontRef>
-          </p:style>
-        </p:cxnSp>
-        <p:cxnSp>
-          <p:nvCxnSpPr>
-            <p:cNvPr id="11" name="Straight Connector 10"/>
-            <p:cNvCxnSpPr/>
-            <p:nvPr/>
-          </p:nvCxnSpPr>
-          <p:spPr>
-            <a:xfrm>
-              <a:off x="4818446" y="3342065"/>
-              <a:ext cx="482624" cy="0"/>
-            </a:xfrm>
-            <a:prstGeom prst="line">
-              <a:avLst/>
-            </a:prstGeom>
-            <a:ln w="76200" cap="rnd" cmpd="sng">
-              <a:solidFill>
-                <a:srgbClr val="FFFFFF"/>
-              </a:solidFill>
-            </a:ln>
-          </p:spPr>
-          <p:style>
-            <a:lnRef idx="2">
-              <a:schemeClr val="accent1"/>
-            </a:lnRef>
-            <a:fillRef idx="0">
-              <a:schemeClr val="accent1"/>
-            </a:fillRef>
-            <a:effectRef idx="1">
-              <a:schemeClr val="accent1"/>
-            </a:effectRef>
-            <a:fontRef idx="minor">
-              <a:schemeClr val="tx1"/>
-            </a:fontRef>
-          </p:style>
-        </p:cxnSp>
-        <p:cxnSp>
-          <p:nvCxnSpPr>
-            <p:cNvPr id="13" name="Straight Connector 12"/>
-            <p:cNvCxnSpPr/>
-            <p:nvPr/>
-          </p:nvCxnSpPr>
-          <p:spPr>
-            <a:xfrm>
-              <a:off x="4376690" y="4061040"/>
-              <a:ext cx="193814" cy="0"/>
-            </a:xfrm>
-            <a:prstGeom prst="line">
-              <a:avLst/>
-            </a:prstGeom>
-            <a:ln w="76200" cap="rnd" cmpd="sng">
-              <a:solidFill>
-                <a:srgbClr val="FFFFFF"/>
-              </a:solidFill>
-            </a:ln>
-          </p:spPr>
-          <p:style>
-            <a:lnRef idx="2">
-              <a:schemeClr val="accent1"/>
-            </a:lnRef>
-            <a:fillRef idx="0">
-              <a:schemeClr val="accent1"/>
-            </a:fillRef>
-            <a:effectRef idx="1">
-              <a:schemeClr val="accent1"/>
-            </a:effectRef>
-            <a:fontRef idx="minor">
-              <a:schemeClr val="tx1"/>
-            </a:fontRef>
-          </p:style>
-        </p:cxnSp>
-        <p:cxnSp>
-          <p:nvCxnSpPr>
-            <p:cNvPr id="14" name="Straight Connector 13"/>
-            <p:cNvCxnSpPr/>
-            <p:nvPr/>
-          </p:nvCxnSpPr>
-          <p:spPr>
-            <a:xfrm>
-              <a:off x="4529090" y="3779858"/>
-              <a:ext cx="773073" cy="0"/>
-            </a:xfrm>
-            <a:prstGeom prst="line">
-              <a:avLst/>
-            </a:prstGeom>
-            <a:ln w="76200" cap="rnd" cmpd="sng">
-              <a:solidFill>
-                <a:srgbClr val="FFFFFF"/>
-              </a:solidFill>
-            </a:ln>
-          </p:spPr>
-          <p:style>
-            <a:lnRef idx="2">
-              <a:schemeClr val="accent1"/>
-            </a:lnRef>
-            <a:fillRef idx="0">
-              <a:schemeClr val="accent1"/>
-            </a:fillRef>
-            <a:effectRef idx="1">
-              <a:schemeClr val="accent1"/>
-            </a:effectRef>
-            <a:fontRef idx="minor">
-              <a:schemeClr val="tx1"/>
-            </a:fontRef>
-          </p:style>
-        </p:cxnSp>
-      </p:grpSp>
-      <p:sp>
-        <p:nvSpPr>
-          <p:cNvPr id="16" name="TextBox 15"/>
-          <p:cNvSpPr txBox="1"/>
-          <p:nvPr/>
-        </p:nvSpPr>
-        <p:spPr>
-          <a:xfrm>
-            <a:off x="3635208" y="4565044"/>
-            <a:ext cx="1956311" cy="369332"/>
-          </a:xfrm>
-          <a:prstGeom prst="rect">
-            <a:avLst/>
-          </a:prstGeom>
-          <a:noFill/>
-        </p:spPr>
-        <p:txBody>
-          <a:bodyPr wrap="square" rtlCol="0">
-            <a:spAutoFit/>
-          </a:bodyPr>
-          <a:lstStyle/>
-          <a:p>
-            <a:pPr algn="r"/>
-            <a:r>
-              <a:rPr lang="en-US" dirty="0" smtClean="0">
-                <a:solidFill>
-                  <a:schemeClr val="bg1"/>
-                </a:solidFill>
-                <a:latin typeface="Anime Ace 2.0 BB"/>
-                <a:cs typeface="Anime Ace 2.0 BB"/>
-              </a:rPr>
-              <a:t>No code</a:t>
-            </a:r>
-            <a:endParaRPr lang="en-US" dirty="0">
-              <a:solidFill>
-                <a:schemeClr val="bg1"/>
-              </a:solidFill>
-              <a:latin typeface="Anime Ace 2.0 BB"/>
-              <a:cs typeface="Anime Ace 2.0 BB"/>
-            </a:endParaRPr>
-          </a:p>
-        </p:txBody>
-      </p:sp>
-      <p:sp>
-        <p:nvSpPr>
-          <p:cNvPr id="17" name="&quot;No&quot; Symbol 16"/>
-          <p:cNvSpPr/>
-          <p:nvPr/>
-        </p:nvSpPr>
-        <p:spPr>
-          <a:xfrm>
-            <a:off x="6474483" y="2222729"/>
-            <a:ext cx="2222584" cy="2222584"/>
-          </a:xfrm>
-          <a:prstGeom prst="noSmoking">
-            <a:avLst>
-              <a:gd name="adj" fmla="val 6328"/>
-            </a:avLst>
-          </a:prstGeom>
-        </p:spPr>
-        <p:style>
-          <a:lnRef idx="2">
-            <a:schemeClr val="dk1"/>
-          </a:lnRef>
-          <a:fillRef idx="1">
-            <a:schemeClr val="lt1"/>
-          </a:fillRef>
-          <a:effectRef idx="0">
-            <a:schemeClr val="dk1"/>
-          </a:effectRef>
-          <a:fontRef idx="minor">
-            <a:schemeClr val="dk1"/>
-          </a:fontRef>
-        </p:style>
-        <p:txBody>
-          <a:bodyPr rtlCol="0" anchor="ctr"/>
-          <a:lstStyle/>
-          <a:p>
-            <a:pPr algn="r"/>
-            <a:endParaRPr lang="en-US">
-              <a:solidFill>
-                <a:schemeClr val="tx1"/>
-              </a:solidFill>
-            </a:endParaRPr>
-          </a:p>
-        </p:txBody>
-      </p:sp>
-      <p:sp>
-        <p:nvSpPr>
-          <p:cNvPr id="18" name="TextBox 17"/>
-          <p:cNvSpPr txBox="1"/>
-          <p:nvPr/>
-        </p:nvSpPr>
-        <p:spPr>
-          <a:xfrm>
-            <a:off x="6474483" y="4597310"/>
-            <a:ext cx="2222584" cy="369332"/>
-          </a:xfrm>
-          <a:prstGeom prst="rect">
-            <a:avLst/>
-          </a:prstGeom>
-          <a:noFill/>
-        </p:spPr>
-        <p:txBody>
-          <a:bodyPr wrap="square" rtlCol="0">
-            <a:spAutoFit/>
-          </a:bodyPr>
-          <a:lstStyle/>
-          <a:p>
-            <a:pPr algn="r"/>
-            <a:r>
-              <a:rPr lang="en-US" dirty="0" smtClean="0">
-                <a:solidFill>
-                  <a:schemeClr val="bg1"/>
-                </a:solidFill>
-                <a:latin typeface="Anime Ace 2.0 BB"/>
-                <a:cs typeface="Anime Ace 2.0 BB"/>
-              </a:rPr>
-              <a:t>No Example</a:t>
-            </a:r>
-            <a:endParaRPr lang="en-US" dirty="0">
-              <a:solidFill>
-                <a:schemeClr val="bg1"/>
-              </a:solidFill>
-              <a:latin typeface="Anime Ace 2.0 BB"/>
-              <a:cs typeface="Anime Ace 2.0 BB"/>
-            </a:endParaRPr>
-          </a:p>
-        </p:txBody>
-      </p:sp>
-    </p:spTree>
-    <p:extLst>
-      <p:ext uri="{BB962C8B-B14F-4D97-AF65-F5344CB8AC3E}">
-        <p14:creationId xmlns:p14="http://schemas.microsoft.com/office/powerpoint/2010/main" val="2554666022"/>
-      </p:ext>
-    </p:extLst>
-  </p:cSld>
-  <p:clrMapOvr>
-    <a:masterClrMapping/>
-  </p:clrMapOvr>
-</p:sld>
-</file>
-
-<file path=ppt/slides/slide4.xml><?xml version="1.0" encoding="utf-8"?>
+<file path=ppt/slides/slide11.xml><?xml version="1.0" encoding="utf-8"?>
 <p:sld xmlns:a="http://schemas.openxmlformats.org/drawingml/2006/main" xmlns:r="http://schemas.openxmlformats.org/officeDocument/2006/relationships" xmlns:p="http://schemas.openxmlformats.org/presentationml/2006/main">
   <p:cSld>
     <p:spTree>
@@ -4588,6 +4124,1971 @@
 </p:sld>
 </file>
 
+<file path=ppt/slides/slide2.xml><?xml version="1.0" encoding="utf-8"?>
+<p:sld xmlns:a="http://schemas.openxmlformats.org/drawingml/2006/main" xmlns:r="http://schemas.openxmlformats.org/officeDocument/2006/relationships" xmlns:p="http://schemas.openxmlformats.org/presentationml/2006/main">
+  <p:cSld>
+    <p:spTree>
+      <p:nvGrpSpPr>
+        <p:cNvPr id="1" name=""/>
+        <p:cNvGrpSpPr/>
+        <p:nvPr/>
+      </p:nvGrpSpPr>
+      <p:grpSpPr>
+        <a:xfrm>
+          <a:off x="0" y="0"/>
+          <a:ext cx="0" cy="0"/>
+          <a:chOff x="0" y="0"/>
+          <a:chExt cx="0" cy="0"/>
+        </a:xfrm>
+      </p:grpSpPr>
+      <p:pic>
+        <p:nvPicPr>
+          <p:cNvPr id="5" name="Picture 4"/>
+          <p:cNvPicPr>
+            <a:picLocks noChangeAspect="1"/>
+          </p:cNvPicPr>
+          <p:nvPr/>
+        </p:nvPicPr>
+        <p:blipFill rotWithShape="1">
+          <a:blip r:embed="rId2">
+            <a:alphaModFix amt="40000"/>
+            <a:extLst>
+              <a:ext uri="{BEBA8EAE-BF5A-486C-A8C5-ECC9F3942E4B}">
+                <a14:imgProps xmlns:a14="http://schemas.microsoft.com/office/drawing/2010/main">
+                  <a14:imgLayer r:embed="rId3">
+                    <a14:imgEffect>
+                      <a14:colorTemperature colorTemp="5900"/>
+                    </a14:imgEffect>
+                    <a14:imgEffect>
+                      <a14:saturation sat="66000"/>
+                    </a14:imgEffect>
+                  </a14:imgLayer>
+                </a14:imgProps>
+              </a:ext>
+            </a:extLst>
+          </a:blip>
+          <a:srcRect b="23858"/>
+          <a:stretch/>
+        </p:blipFill>
+        <p:spPr>
+          <a:xfrm>
+            <a:off x="304800" y="4953000"/>
+            <a:ext cx="2210634" cy="1905000"/>
+          </a:xfrm>
+          <a:prstGeom prst="rect">
+            <a:avLst/>
+          </a:prstGeom>
+        </p:spPr>
+      </p:pic>
+      <p:pic>
+        <p:nvPicPr>
+          <p:cNvPr id="7" name="Picture 6" descr="BR_Horizontal_RGB_ƒ.png"/>
+          <p:cNvPicPr>
+            <a:picLocks noChangeAspect="1"/>
+          </p:cNvPicPr>
+          <p:nvPr/>
+        </p:nvPicPr>
+        <p:blipFill rotWithShape="1">
+          <a:blip r:embed="rId4">
+            <a:alphaModFix amt="27000"/>
+            <a:extLst>
+              <a:ext uri="{28A0092B-C50C-407E-A947-70E740481C1C}">
+                <a14:useLocalDpi xmlns:a14="http://schemas.microsoft.com/office/drawing/2010/main" val="0"/>
+              </a:ext>
+            </a:extLst>
+          </a:blip>
+          <a:srcRect r="81991"/>
+          <a:stretch/>
+        </p:blipFill>
+        <p:spPr>
+          <a:xfrm>
+            <a:off x="7324729" y="6400800"/>
+            <a:ext cx="412839" cy="408026"/>
+          </a:xfrm>
+          <a:prstGeom prst="rect">
+            <a:avLst/>
+          </a:prstGeom>
+        </p:spPr>
+      </p:pic>
+      <p:sp>
+        <p:nvSpPr>
+          <p:cNvPr id="8" name="TextBox 7"/>
+          <p:cNvSpPr txBox="1"/>
+          <p:nvPr/>
+        </p:nvSpPr>
+        <p:spPr>
+          <a:xfrm>
+            <a:off x="7662021" y="6439826"/>
+            <a:ext cx="1481979" cy="307777"/>
+          </a:xfrm>
+          <a:prstGeom prst="rect">
+            <a:avLst/>
+          </a:prstGeom>
+          <a:noFill/>
+        </p:spPr>
+        <p:txBody>
+          <a:bodyPr wrap="square" numCol="1" rtlCol="0">
+            <a:spAutoFit/>
+          </a:bodyPr>
+          <a:lstStyle/>
+          <a:p>
+            <a:pPr algn="r"/>
+            <a:r>
+              <a:rPr lang="en-US" sz="1400" kern="1000" spc="40" dirty="0" smtClean="0">
+                <a:solidFill>
+                  <a:schemeClr val="bg1">
+                    <a:alpha val="25000"/>
+                  </a:schemeClr>
+                </a:solidFill>
+                <a:effectLst/>
+                <a:latin typeface="AppleMyungjo"/>
+                <a:ea typeface="AppleMyungjo"/>
+                <a:cs typeface="AppleMyungjo"/>
+              </a:rPr>
+              <a:t>@blink</a:t>
+            </a:r>
+            <a:r>
+              <a:rPr lang="en-US" sz="500" kern="1000" spc="40" dirty="0" smtClean="0">
+                <a:solidFill>
+                  <a:schemeClr val="bg1">
+                    <a:alpha val="25000"/>
+                  </a:schemeClr>
+                </a:solidFill>
+                <a:effectLst/>
+                <a:latin typeface="AppleMyungjo"/>
+                <a:ea typeface="AppleMyungjo"/>
+                <a:cs typeface="AppleMyungjo"/>
+              </a:rPr>
+              <a:t> </a:t>
+            </a:r>
+            <a:r>
+              <a:rPr lang="en-US" sz="1400" kern="1000" spc="40" dirty="0" smtClean="0">
+                <a:solidFill>
+                  <a:schemeClr val="bg1">
+                    <a:alpha val="25000"/>
+                  </a:schemeClr>
+                </a:solidFill>
+                <a:effectLst/>
+                <a:latin typeface="AppleMyungjo"/>
+                <a:ea typeface="AppleMyungjo"/>
+                <a:cs typeface="AppleMyungjo"/>
+              </a:rPr>
+              <a:t>reaction</a:t>
+            </a:r>
+            <a:endParaRPr lang="en-US" sz="1400" kern="1000" spc="40" dirty="0">
+              <a:solidFill>
+                <a:schemeClr val="bg1">
+                  <a:alpha val="25000"/>
+                </a:schemeClr>
+              </a:solidFill>
+              <a:effectLst/>
+              <a:latin typeface="AppleMyungjo"/>
+              <a:ea typeface="AppleMyungjo"/>
+              <a:cs typeface="AppleMyungjo"/>
+            </a:endParaRPr>
+          </a:p>
+        </p:txBody>
+      </p:sp>
+      <p:sp>
+        <p:nvSpPr>
+          <p:cNvPr id="10" name="Rectangle 9"/>
+          <p:cNvSpPr/>
+          <p:nvPr/>
+        </p:nvSpPr>
+        <p:spPr>
+          <a:xfrm>
+            <a:off x="0" y="0"/>
+            <a:ext cx="9144000" cy="6858000"/>
+          </a:xfrm>
+          <a:prstGeom prst="rect">
+            <a:avLst/>
+          </a:prstGeom>
+          <a:noFill/>
+          <a:ln>
+            <a:noFill/>
+          </a:ln>
+        </p:spPr>
+        <p:style>
+          <a:lnRef idx="1">
+            <a:schemeClr val="accent1"/>
+          </a:lnRef>
+          <a:fillRef idx="3">
+            <a:schemeClr val="accent1"/>
+          </a:fillRef>
+          <a:effectRef idx="2">
+            <a:schemeClr val="accent1"/>
+          </a:effectRef>
+          <a:fontRef idx="minor">
+            <a:schemeClr val="lt1"/>
+          </a:fontRef>
+        </p:style>
+        <p:txBody>
+          <a:bodyPr rtlCol="0" anchor="ctr"/>
+          <a:lstStyle/>
+          <a:p>
+            <a:pPr algn="ctr"/>
+            <a:endParaRPr lang="en-US"/>
+          </a:p>
+        </p:txBody>
+      </p:sp>
+    </p:spTree>
+    <p:extLst>
+      <p:ext uri="{BB962C8B-B14F-4D97-AF65-F5344CB8AC3E}">
+        <p14:creationId xmlns:p14="http://schemas.microsoft.com/office/powerpoint/2010/main" val="1788120713"/>
+      </p:ext>
+    </p:extLst>
+  </p:cSld>
+  <p:clrMapOvr>
+    <a:masterClrMapping/>
+  </p:clrMapOvr>
+</p:sld>
+</file>
+
+<file path=ppt/slides/slide3.xml><?xml version="1.0" encoding="utf-8"?>
+<p:sld xmlns:a="http://schemas.openxmlformats.org/drawingml/2006/main" xmlns:r="http://schemas.openxmlformats.org/officeDocument/2006/relationships" xmlns:p="http://schemas.openxmlformats.org/presentationml/2006/main">
+  <p:cSld>
+    <p:spTree>
+      <p:nvGrpSpPr>
+        <p:cNvPr id="1" name=""/>
+        <p:cNvGrpSpPr/>
+        <p:nvPr/>
+      </p:nvGrpSpPr>
+      <p:grpSpPr>
+        <a:xfrm>
+          <a:off x="0" y="0"/>
+          <a:ext cx="0" cy="0"/>
+          <a:chOff x="0" y="0"/>
+          <a:chExt cx="0" cy="0"/>
+        </a:xfrm>
+      </p:grpSpPr>
+      <p:grpSp>
+        <p:nvGrpSpPr>
+          <p:cNvPr id="6" name="Group 5"/>
+          <p:cNvGrpSpPr/>
+          <p:nvPr/>
+        </p:nvGrpSpPr>
+        <p:grpSpPr>
+          <a:xfrm>
+            <a:off x="2365674" y="3024574"/>
+            <a:ext cx="4412652" cy="785426"/>
+            <a:chOff x="0" y="2603500"/>
+            <a:chExt cx="9143999" cy="1627573"/>
+          </a:xfrm>
+        </p:grpSpPr>
+        <p:pic>
+          <p:nvPicPr>
+            <p:cNvPr id="3" name="Picture 2"/>
+            <p:cNvPicPr>
+              <a:picLocks noChangeAspect="1"/>
+            </p:cNvPicPr>
+            <p:nvPr/>
+          </p:nvPicPr>
+          <p:blipFill rotWithShape="1">
+            <a:blip r:embed="rId2"/>
+            <a:srcRect r="81713"/>
+            <a:stretch/>
+          </p:blipFill>
+          <p:spPr>
+            <a:xfrm>
+              <a:off x="0" y="2603500"/>
+              <a:ext cx="1672167" cy="1627573"/>
+            </a:xfrm>
+            <a:prstGeom prst="rect">
+              <a:avLst/>
+            </a:prstGeom>
+          </p:spPr>
+        </p:pic>
+        <p:pic>
+          <p:nvPicPr>
+            <p:cNvPr id="5" name="Picture 4"/>
+            <p:cNvPicPr>
+              <a:picLocks noChangeAspect="1"/>
+            </p:cNvPicPr>
+            <p:nvPr/>
+          </p:nvPicPr>
+          <p:blipFill rotWithShape="1">
+            <a:blip r:embed="rId3"/>
+            <a:srcRect l="18287"/>
+            <a:stretch/>
+          </p:blipFill>
+          <p:spPr>
+            <a:xfrm>
+              <a:off x="1672166" y="2603500"/>
+              <a:ext cx="7471833" cy="1627573"/>
+            </a:xfrm>
+            <a:prstGeom prst="rect">
+              <a:avLst/>
+            </a:prstGeom>
+          </p:spPr>
+        </p:pic>
+      </p:grpSp>
+    </p:spTree>
+    <p:extLst>
+      <p:ext uri="{BB962C8B-B14F-4D97-AF65-F5344CB8AC3E}">
+        <p14:creationId xmlns:p14="http://schemas.microsoft.com/office/powerpoint/2010/main" val="2193527205"/>
+      </p:ext>
+    </p:extLst>
+  </p:cSld>
+  <p:clrMapOvr>
+    <a:masterClrMapping/>
+  </p:clrMapOvr>
+</p:sld>
+</file>
+
+<file path=ppt/slides/slide4.xml><?xml version="1.0" encoding="utf-8"?>
+<p:sld xmlns:a="http://schemas.openxmlformats.org/drawingml/2006/main" xmlns:r="http://schemas.openxmlformats.org/officeDocument/2006/relationships" xmlns:p="http://schemas.openxmlformats.org/presentationml/2006/main">
+  <p:cSld>
+    <p:spTree>
+      <p:nvGrpSpPr>
+        <p:cNvPr id="1" name=""/>
+        <p:cNvGrpSpPr/>
+        <p:nvPr/>
+      </p:nvGrpSpPr>
+      <p:grpSpPr>
+        <a:xfrm>
+          <a:off x="0" y="0"/>
+          <a:ext cx="0" cy="0"/>
+          <a:chOff x="0" y="0"/>
+          <a:chExt cx="0" cy="0"/>
+        </a:xfrm>
+      </p:grpSpPr>
+      <p:sp>
+        <p:nvSpPr>
+          <p:cNvPr id="5" name="Rectangle 4"/>
+          <p:cNvSpPr/>
+          <p:nvPr/>
+        </p:nvSpPr>
+        <p:spPr>
+          <a:xfrm>
+            <a:off x="3514207" y="2159990"/>
+            <a:ext cx="2514600" cy="2313021"/>
+          </a:xfrm>
+          <a:prstGeom prst="rect">
+            <a:avLst/>
+          </a:prstGeom>
+          <a:solidFill>
+            <a:srgbClr val="000000"/>
+          </a:solidFill>
+          <a:ln>
+            <a:solidFill>
+              <a:srgbClr val="FFFFFF"/>
+            </a:solidFill>
+          </a:ln>
+          <a:scene3d>
+            <a:camera prst="isometricTopUp"/>
+            <a:lightRig rig="threePt" dir="t"/>
+          </a:scene3d>
+        </p:spPr>
+        <p:style>
+          <a:lnRef idx="2">
+            <a:schemeClr val="dk1"/>
+          </a:lnRef>
+          <a:fillRef idx="1">
+            <a:schemeClr val="lt1"/>
+          </a:fillRef>
+          <a:effectRef idx="0">
+            <a:schemeClr val="dk1"/>
+          </a:effectRef>
+          <a:fontRef idx="minor">
+            <a:schemeClr val="dk1"/>
+          </a:fontRef>
+        </p:style>
+        <p:txBody>
+          <a:bodyPr rtlCol="0" anchor="ctr"/>
+          <a:lstStyle/>
+          <a:p>
+            <a:pPr algn="ctr"/>
+            <a:endParaRPr lang="en-US"/>
+          </a:p>
+        </p:txBody>
+      </p:sp>
+      <p:sp>
+        <p:nvSpPr>
+          <p:cNvPr id="6" name="Rectangle 5"/>
+          <p:cNvSpPr/>
+          <p:nvPr/>
+        </p:nvSpPr>
+        <p:spPr>
+          <a:xfrm>
+            <a:off x="4343400" y="3730611"/>
+            <a:ext cx="2514600" cy="650745"/>
+          </a:xfrm>
+          <a:prstGeom prst="rect">
+            <a:avLst/>
+          </a:prstGeom>
+          <a:solidFill>
+            <a:srgbClr val="000000"/>
+          </a:solidFill>
+          <a:ln>
+            <a:solidFill>
+              <a:srgbClr val="FFFFFF"/>
+            </a:solidFill>
+          </a:ln>
+          <a:scene3d>
+            <a:camera prst="isometricRightUp"/>
+            <a:lightRig rig="threePt" dir="t"/>
+          </a:scene3d>
+        </p:spPr>
+        <p:style>
+          <a:lnRef idx="2">
+            <a:schemeClr val="dk1"/>
+          </a:lnRef>
+          <a:fillRef idx="1">
+            <a:schemeClr val="lt1"/>
+          </a:fillRef>
+          <a:effectRef idx="0">
+            <a:schemeClr val="dk1"/>
+          </a:effectRef>
+          <a:fontRef idx="minor">
+            <a:schemeClr val="dk1"/>
+          </a:fontRef>
+        </p:style>
+        <p:txBody>
+          <a:bodyPr rtlCol="0" anchor="ctr"/>
+          <a:lstStyle/>
+          <a:p>
+            <a:pPr algn="ctr"/>
+            <a:r>
+              <a:rPr lang="en-US" dirty="0" smtClean="0">
+                <a:solidFill>
+                  <a:srgbClr val="FFFFFF"/>
+                </a:solidFill>
+                <a:latin typeface="Anime Ace 2.0 BB"/>
+                <a:cs typeface="Anime Ace 2.0 BB"/>
+              </a:rPr>
+              <a:t>Your OS</a:t>
+            </a:r>
+            <a:endParaRPr lang="en-US" dirty="0">
+              <a:solidFill>
+                <a:srgbClr val="FFFFFF"/>
+              </a:solidFill>
+              <a:latin typeface="Anime Ace 2.0 BB"/>
+              <a:cs typeface="Anime Ace 2.0 BB"/>
+            </a:endParaRPr>
+          </a:p>
+        </p:txBody>
+      </p:sp>
+      <p:sp>
+        <p:nvSpPr>
+          <p:cNvPr id="7" name="Rectangle 6"/>
+          <p:cNvSpPr/>
+          <p:nvPr/>
+        </p:nvSpPr>
+        <p:spPr>
+          <a:xfrm>
+            <a:off x="2711582" y="3785260"/>
+            <a:ext cx="2335632" cy="633831"/>
+          </a:xfrm>
+          <a:prstGeom prst="rect">
+            <a:avLst/>
+          </a:prstGeom>
+          <a:solidFill>
+            <a:srgbClr val="000000"/>
+          </a:solidFill>
+          <a:ln>
+            <a:solidFill>
+              <a:srgbClr val="FFFFFF"/>
+            </a:solidFill>
+          </a:ln>
+          <a:scene3d>
+            <a:camera prst="isometricLeftDown"/>
+            <a:lightRig rig="threePt" dir="t"/>
+          </a:scene3d>
+        </p:spPr>
+        <p:style>
+          <a:lnRef idx="2">
+            <a:schemeClr val="dk1"/>
+          </a:lnRef>
+          <a:fillRef idx="1">
+            <a:schemeClr val="lt1"/>
+          </a:fillRef>
+          <a:effectRef idx="0">
+            <a:schemeClr val="dk1"/>
+          </a:effectRef>
+          <a:fontRef idx="minor">
+            <a:schemeClr val="dk1"/>
+          </a:fontRef>
+        </p:style>
+        <p:txBody>
+          <a:bodyPr rtlCol="0" anchor="ctr"/>
+          <a:lstStyle/>
+          <a:p>
+            <a:pPr algn="ctr"/>
+            <a:endParaRPr lang="en-US"/>
+          </a:p>
+        </p:txBody>
+      </p:sp>
+      <p:sp>
+        <p:nvSpPr>
+          <p:cNvPr id="16" name="Rectangle 15"/>
+          <p:cNvSpPr/>
+          <p:nvPr/>
+        </p:nvSpPr>
+        <p:spPr>
+          <a:xfrm>
+            <a:off x="0" y="1600200"/>
+            <a:ext cx="9144000" cy="3581400"/>
+          </a:xfrm>
+          <a:prstGeom prst="rect">
+            <a:avLst/>
+          </a:prstGeom>
+          <a:noFill/>
+          <a:ln>
+            <a:noFill/>
+          </a:ln>
+        </p:spPr>
+        <p:style>
+          <a:lnRef idx="1">
+            <a:schemeClr val="accent1"/>
+          </a:lnRef>
+          <a:fillRef idx="3">
+            <a:schemeClr val="accent1"/>
+          </a:fillRef>
+          <a:effectRef idx="2">
+            <a:schemeClr val="accent1"/>
+          </a:effectRef>
+          <a:fontRef idx="minor">
+            <a:schemeClr val="lt1"/>
+          </a:fontRef>
+        </p:style>
+        <p:txBody>
+          <a:bodyPr rtlCol="0" anchor="ctr"/>
+          <a:lstStyle/>
+          <a:p>
+            <a:pPr algn="ctr"/>
+            <a:endParaRPr lang="en-US"/>
+          </a:p>
+        </p:txBody>
+      </p:sp>
+    </p:spTree>
+    <p:extLst>
+      <p:ext uri="{BB962C8B-B14F-4D97-AF65-F5344CB8AC3E}">
+        <p14:creationId xmlns:p14="http://schemas.microsoft.com/office/powerpoint/2010/main" val="2053502798"/>
+      </p:ext>
+    </p:extLst>
+  </p:cSld>
+  <p:clrMapOvr>
+    <a:masterClrMapping/>
+  </p:clrMapOvr>
+</p:sld>
+</file>
+
+<file path=ppt/slides/slide5.xml><?xml version="1.0" encoding="utf-8"?>
+<p:sld xmlns:a="http://schemas.openxmlformats.org/drawingml/2006/main" xmlns:r="http://schemas.openxmlformats.org/officeDocument/2006/relationships" xmlns:p="http://schemas.openxmlformats.org/presentationml/2006/main">
+  <p:cSld>
+    <p:spTree>
+      <p:nvGrpSpPr>
+        <p:cNvPr id="1" name=""/>
+        <p:cNvGrpSpPr/>
+        <p:nvPr/>
+      </p:nvGrpSpPr>
+      <p:grpSpPr>
+        <a:xfrm>
+          <a:off x="0" y="0"/>
+          <a:ext cx="0" cy="0"/>
+          <a:chOff x="0" y="0"/>
+          <a:chExt cx="0" cy="0"/>
+        </a:xfrm>
+      </p:grpSpPr>
+      <p:sp>
+        <p:nvSpPr>
+          <p:cNvPr id="5" name="Rectangle 4"/>
+          <p:cNvSpPr/>
+          <p:nvPr/>
+        </p:nvSpPr>
+        <p:spPr>
+          <a:xfrm>
+            <a:off x="3514207" y="2159990"/>
+            <a:ext cx="2514600" cy="2313021"/>
+          </a:xfrm>
+          <a:prstGeom prst="rect">
+            <a:avLst/>
+          </a:prstGeom>
+          <a:solidFill>
+            <a:srgbClr val="000000"/>
+          </a:solidFill>
+          <a:ln>
+            <a:solidFill>
+              <a:srgbClr val="FFFFFF"/>
+            </a:solidFill>
+          </a:ln>
+          <a:scene3d>
+            <a:camera prst="isometricTopUp"/>
+            <a:lightRig rig="threePt" dir="t"/>
+          </a:scene3d>
+        </p:spPr>
+        <p:style>
+          <a:lnRef idx="2">
+            <a:schemeClr val="dk1"/>
+          </a:lnRef>
+          <a:fillRef idx="1">
+            <a:schemeClr val="lt1"/>
+          </a:fillRef>
+          <a:effectRef idx="0">
+            <a:schemeClr val="dk1"/>
+          </a:effectRef>
+          <a:fontRef idx="minor">
+            <a:schemeClr val="dk1"/>
+          </a:fontRef>
+        </p:style>
+        <p:txBody>
+          <a:bodyPr rtlCol="0" anchor="ctr"/>
+          <a:lstStyle/>
+          <a:p>
+            <a:pPr algn="ctr"/>
+            <a:endParaRPr lang="en-US"/>
+          </a:p>
+        </p:txBody>
+      </p:sp>
+      <p:sp>
+        <p:nvSpPr>
+          <p:cNvPr id="6" name="Rectangle 5"/>
+          <p:cNvSpPr/>
+          <p:nvPr/>
+        </p:nvSpPr>
+        <p:spPr>
+          <a:xfrm>
+            <a:off x="4343400" y="3730611"/>
+            <a:ext cx="2514600" cy="650745"/>
+          </a:xfrm>
+          <a:prstGeom prst="rect">
+            <a:avLst/>
+          </a:prstGeom>
+          <a:solidFill>
+            <a:srgbClr val="000000"/>
+          </a:solidFill>
+          <a:ln>
+            <a:solidFill>
+              <a:srgbClr val="FFFFFF"/>
+            </a:solidFill>
+          </a:ln>
+          <a:scene3d>
+            <a:camera prst="isometricRightUp"/>
+            <a:lightRig rig="threePt" dir="t"/>
+          </a:scene3d>
+        </p:spPr>
+        <p:style>
+          <a:lnRef idx="2">
+            <a:schemeClr val="dk1"/>
+          </a:lnRef>
+          <a:fillRef idx="1">
+            <a:schemeClr val="lt1"/>
+          </a:fillRef>
+          <a:effectRef idx="0">
+            <a:schemeClr val="dk1"/>
+          </a:effectRef>
+          <a:fontRef idx="minor">
+            <a:schemeClr val="dk1"/>
+          </a:fontRef>
+        </p:style>
+        <p:txBody>
+          <a:bodyPr rtlCol="0" anchor="ctr"/>
+          <a:lstStyle/>
+          <a:p>
+            <a:pPr algn="ctr"/>
+            <a:r>
+              <a:rPr lang="en-US" dirty="0" smtClean="0">
+                <a:solidFill>
+                  <a:srgbClr val="FFFFFF"/>
+                </a:solidFill>
+                <a:latin typeface="Anime Ace 2.0 BB"/>
+                <a:cs typeface="Anime Ace 2.0 BB"/>
+              </a:rPr>
+              <a:t>Your OS</a:t>
+            </a:r>
+            <a:endParaRPr lang="en-US" dirty="0">
+              <a:solidFill>
+                <a:srgbClr val="FFFFFF"/>
+              </a:solidFill>
+              <a:latin typeface="Anime Ace 2.0 BB"/>
+              <a:cs typeface="Anime Ace 2.0 BB"/>
+            </a:endParaRPr>
+          </a:p>
+        </p:txBody>
+      </p:sp>
+      <p:sp>
+        <p:nvSpPr>
+          <p:cNvPr id="7" name="Rectangle 6"/>
+          <p:cNvSpPr/>
+          <p:nvPr/>
+        </p:nvSpPr>
+        <p:spPr>
+          <a:xfrm>
+            <a:off x="2711582" y="3785260"/>
+            <a:ext cx="2335632" cy="633831"/>
+          </a:xfrm>
+          <a:prstGeom prst="rect">
+            <a:avLst/>
+          </a:prstGeom>
+          <a:solidFill>
+            <a:srgbClr val="000000"/>
+          </a:solidFill>
+          <a:ln>
+            <a:solidFill>
+              <a:srgbClr val="FFFFFF"/>
+            </a:solidFill>
+          </a:ln>
+          <a:scene3d>
+            <a:camera prst="isometricLeftDown"/>
+            <a:lightRig rig="threePt" dir="t"/>
+          </a:scene3d>
+        </p:spPr>
+        <p:style>
+          <a:lnRef idx="2">
+            <a:schemeClr val="dk1"/>
+          </a:lnRef>
+          <a:fillRef idx="1">
+            <a:schemeClr val="lt1"/>
+          </a:fillRef>
+          <a:effectRef idx="0">
+            <a:schemeClr val="dk1"/>
+          </a:effectRef>
+          <a:fontRef idx="minor">
+            <a:schemeClr val="dk1"/>
+          </a:fontRef>
+        </p:style>
+        <p:txBody>
+          <a:bodyPr rtlCol="0" anchor="ctr"/>
+          <a:lstStyle/>
+          <a:p>
+            <a:pPr algn="ctr"/>
+            <a:endParaRPr lang="en-US"/>
+          </a:p>
+        </p:txBody>
+      </p:sp>
+      <p:grpSp>
+        <p:nvGrpSpPr>
+          <p:cNvPr id="14" name="Group 13"/>
+          <p:cNvGrpSpPr/>
+          <p:nvPr/>
+        </p:nvGrpSpPr>
+        <p:grpSpPr>
+          <a:xfrm>
+            <a:off x="3778382" y="2133600"/>
+            <a:ext cx="2860025" cy="1595425"/>
+            <a:chOff x="2016775" y="1631365"/>
+            <a:chExt cx="4146418" cy="2313021"/>
+          </a:xfrm>
+          <a:solidFill>
+            <a:schemeClr val="tx1"/>
+          </a:solidFill>
+        </p:grpSpPr>
+        <p:sp>
+          <p:nvSpPr>
+            <p:cNvPr id="11" name="Rectangle 10"/>
+            <p:cNvSpPr/>
+            <p:nvPr/>
+          </p:nvSpPr>
+          <p:spPr>
+            <a:xfrm>
+              <a:off x="2819400" y="1631365"/>
+              <a:ext cx="2514600" cy="2313021"/>
+            </a:xfrm>
+            <a:prstGeom prst="rect">
+              <a:avLst/>
+            </a:prstGeom>
+            <a:grpFill/>
+            <a:ln>
+              <a:solidFill>
+                <a:schemeClr val="accent6">
+                  <a:lumMod val="75000"/>
+                </a:schemeClr>
+              </a:solidFill>
+            </a:ln>
+            <a:scene3d>
+              <a:camera prst="isometricTopUp"/>
+              <a:lightRig rig="threePt" dir="t"/>
+            </a:scene3d>
+          </p:spPr>
+          <p:style>
+            <a:lnRef idx="2">
+              <a:schemeClr val="dk1"/>
+            </a:lnRef>
+            <a:fillRef idx="1">
+              <a:schemeClr val="lt1"/>
+            </a:fillRef>
+            <a:effectRef idx="0">
+              <a:schemeClr val="dk1"/>
+            </a:effectRef>
+            <a:fontRef idx="minor">
+              <a:schemeClr val="dk1"/>
+            </a:fontRef>
+          </p:style>
+          <p:txBody>
+            <a:bodyPr rtlCol="0" anchor="ctr"/>
+            <a:lstStyle/>
+            <a:p>
+              <a:pPr algn="ctr"/>
+              <a:endParaRPr lang="en-US"/>
+            </a:p>
+          </p:txBody>
+        </p:sp>
+        <p:sp>
+          <p:nvSpPr>
+            <p:cNvPr id="12" name="Rectangle 11"/>
+            <p:cNvSpPr/>
+            <p:nvPr/>
+          </p:nvSpPr>
+          <p:spPr>
+            <a:xfrm>
+              <a:off x="3648593" y="3201986"/>
+              <a:ext cx="2514600" cy="650745"/>
+            </a:xfrm>
+            <a:prstGeom prst="rect">
+              <a:avLst/>
+            </a:prstGeom>
+            <a:grpFill/>
+            <a:ln>
+              <a:solidFill>
+                <a:schemeClr val="accent6">
+                  <a:lumMod val="75000"/>
+                </a:schemeClr>
+              </a:solidFill>
+            </a:ln>
+            <a:scene3d>
+              <a:camera prst="isometricRightUp"/>
+              <a:lightRig rig="threePt" dir="t"/>
+            </a:scene3d>
+          </p:spPr>
+          <p:style>
+            <a:lnRef idx="2">
+              <a:schemeClr val="dk1"/>
+            </a:lnRef>
+            <a:fillRef idx="1">
+              <a:schemeClr val="lt1"/>
+            </a:fillRef>
+            <a:effectRef idx="0">
+              <a:schemeClr val="dk1"/>
+            </a:effectRef>
+            <a:fontRef idx="minor">
+              <a:schemeClr val="dk1"/>
+            </a:fontRef>
+          </p:style>
+          <p:txBody>
+            <a:bodyPr rtlCol="0" anchor="ctr"/>
+            <a:lstStyle/>
+            <a:p>
+              <a:pPr algn="ctr"/>
+              <a:r>
+                <a:rPr lang="en-US" sz="1600" dirty="0" smtClean="0">
+                  <a:solidFill>
+                    <a:srgbClr val="FFFFFF"/>
+                  </a:solidFill>
+                  <a:latin typeface="Anime Ace 2.0 BB"/>
+                  <a:cs typeface="Anime Ace 2.0 BB"/>
+                </a:rPr>
+                <a:t>Virtual OS</a:t>
+              </a:r>
+              <a:endParaRPr lang="en-US" sz="1600" dirty="0">
+                <a:solidFill>
+                  <a:srgbClr val="FFFFFF"/>
+                </a:solidFill>
+                <a:latin typeface="Anime Ace 2.0 BB"/>
+                <a:cs typeface="Anime Ace 2.0 BB"/>
+              </a:endParaRPr>
+            </a:p>
+          </p:txBody>
+        </p:sp>
+        <p:sp>
+          <p:nvSpPr>
+            <p:cNvPr id="13" name="Rectangle 12"/>
+            <p:cNvSpPr/>
+            <p:nvPr/>
+          </p:nvSpPr>
+          <p:spPr>
+            <a:xfrm>
+              <a:off x="2016775" y="3256635"/>
+              <a:ext cx="2335632" cy="633831"/>
+            </a:xfrm>
+            <a:prstGeom prst="rect">
+              <a:avLst/>
+            </a:prstGeom>
+            <a:grpFill/>
+            <a:ln>
+              <a:solidFill>
+                <a:schemeClr val="accent6">
+                  <a:lumMod val="75000"/>
+                </a:schemeClr>
+              </a:solidFill>
+            </a:ln>
+            <a:scene3d>
+              <a:camera prst="isometricLeftDown"/>
+              <a:lightRig rig="threePt" dir="t"/>
+            </a:scene3d>
+          </p:spPr>
+          <p:style>
+            <a:lnRef idx="2">
+              <a:schemeClr val="dk1"/>
+            </a:lnRef>
+            <a:fillRef idx="1">
+              <a:schemeClr val="lt1"/>
+            </a:fillRef>
+            <a:effectRef idx="0">
+              <a:schemeClr val="dk1"/>
+            </a:effectRef>
+            <a:fontRef idx="minor">
+              <a:schemeClr val="dk1"/>
+            </a:fontRef>
+          </p:style>
+          <p:txBody>
+            <a:bodyPr rtlCol="0" anchor="ctr"/>
+            <a:lstStyle/>
+            <a:p>
+              <a:pPr algn="ctr"/>
+              <a:endParaRPr lang="en-US"/>
+            </a:p>
+          </p:txBody>
+        </p:sp>
+      </p:grpSp>
+      <p:sp>
+        <p:nvSpPr>
+          <p:cNvPr id="16" name="Rectangle 15"/>
+          <p:cNvSpPr/>
+          <p:nvPr/>
+        </p:nvSpPr>
+        <p:spPr>
+          <a:xfrm>
+            <a:off x="0" y="1600200"/>
+            <a:ext cx="9144000" cy="3581400"/>
+          </a:xfrm>
+          <a:prstGeom prst="rect">
+            <a:avLst/>
+          </a:prstGeom>
+          <a:noFill/>
+          <a:ln>
+            <a:noFill/>
+          </a:ln>
+        </p:spPr>
+        <p:style>
+          <a:lnRef idx="1">
+            <a:schemeClr val="accent1"/>
+          </a:lnRef>
+          <a:fillRef idx="3">
+            <a:schemeClr val="accent1"/>
+          </a:fillRef>
+          <a:effectRef idx="2">
+            <a:schemeClr val="accent1"/>
+          </a:effectRef>
+          <a:fontRef idx="minor">
+            <a:schemeClr val="lt1"/>
+          </a:fontRef>
+        </p:style>
+        <p:txBody>
+          <a:bodyPr rtlCol="0" anchor="ctr"/>
+          <a:lstStyle/>
+          <a:p>
+            <a:pPr algn="ctr"/>
+            <a:endParaRPr lang="en-US"/>
+          </a:p>
+        </p:txBody>
+      </p:sp>
+    </p:spTree>
+    <p:extLst>
+      <p:ext uri="{BB962C8B-B14F-4D97-AF65-F5344CB8AC3E}">
+        <p14:creationId xmlns:p14="http://schemas.microsoft.com/office/powerpoint/2010/main" val="78135351"/>
+      </p:ext>
+    </p:extLst>
+  </p:cSld>
+  <p:clrMapOvr>
+    <a:masterClrMapping/>
+  </p:clrMapOvr>
+</p:sld>
+</file>
+
+<file path=ppt/slides/slide6.xml><?xml version="1.0" encoding="utf-8"?>
+<p:sld xmlns:a="http://schemas.openxmlformats.org/drawingml/2006/main" xmlns:r="http://schemas.openxmlformats.org/officeDocument/2006/relationships" xmlns:p="http://schemas.openxmlformats.org/presentationml/2006/main">
+  <p:cSld>
+    <p:spTree>
+      <p:nvGrpSpPr>
+        <p:cNvPr id="1" name=""/>
+        <p:cNvGrpSpPr/>
+        <p:nvPr/>
+      </p:nvGrpSpPr>
+      <p:grpSpPr>
+        <a:xfrm>
+          <a:off x="0" y="0"/>
+          <a:ext cx="0" cy="0"/>
+          <a:chOff x="0" y="0"/>
+          <a:chExt cx="0" cy="0"/>
+        </a:xfrm>
+      </p:grpSpPr>
+      <p:pic>
+        <p:nvPicPr>
+          <p:cNvPr id="2" name="Picture 1"/>
+          <p:cNvPicPr>
+            <a:picLocks noChangeAspect="1"/>
+          </p:cNvPicPr>
+          <p:nvPr/>
+        </p:nvPicPr>
+        <p:blipFill>
+          <a:blip r:embed="rId2"/>
+          <a:stretch>
+            <a:fillRect/>
+          </a:stretch>
+        </p:blipFill>
+        <p:spPr>
+          <a:xfrm>
+            <a:off x="3429000" y="2286000"/>
+            <a:ext cx="1874970" cy="2286000"/>
+          </a:xfrm>
+          <a:prstGeom prst="rect">
+            <a:avLst/>
+          </a:prstGeom>
+        </p:spPr>
+      </p:pic>
+      <p:pic>
+        <p:nvPicPr>
+          <p:cNvPr id="3" name="Picture 2"/>
+          <p:cNvPicPr>
+            <a:picLocks noChangeAspect="1"/>
+          </p:cNvPicPr>
+          <p:nvPr/>
+        </p:nvPicPr>
+        <p:blipFill>
+          <a:blip r:embed="rId3"/>
+          <a:stretch>
+            <a:fillRect/>
+          </a:stretch>
+        </p:blipFill>
+        <p:spPr>
+          <a:xfrm>
+            <a:off x="457200" y="2133600"/>
+            <a:ext cx="2641600" cy="2641600"/>
+          </a:xfrm>
+          <a:prstGeom prst="rect">
+            <a:avLst/>
+          </a:prstGeom>
+        </p:spPr>
+      </p:pic>
+      <p:pic>
+        <p:nvPicPr>
+          <p:cNvPr id="4" name="Picture 3"/>
+          <p:cNvPicPr>
+            <a:picLocks noChangeAspect="1"/>
+          </p:cNvPicPr>
+          <p:nvPr/>
+        </p:nvPicPr>
+        <p:blipFill>
+          <a:blip r:embed="rId4"/>
+          <a:stretch>
+            <a:fillRect/>
+          </a:stretch>
+        </p:blipFill>
+        <p:spPr>
+          <a:xfrm>
+            <a:off x="5943600" y="2362200"/>
+            <a:ext cx="2916012" cy="2413000"/>
+          </a:xfrm>
+          <a:prstGeom prst="rect">
+            <a:avLst/>
+          </a:prstGeom>
+        </p:spPr>
+      </p:pic>
+      <p:sp>
+        <p:nvSpPr>
+          <p:cNvPr id="6" name="Rectangle 5"/>
+          <p:cNvSpPr/>
+          <p:nvPr/>
+        </p:nvSpPr>
+        <p:spPr>
+          <a:xfrm>
+            <a:off x="0" y="838200"/>
+            <a:ext cx="9144000" cy="4343400"/>
+          </a:xfrm>
+          <a:prstGeom prst="rect">
+            <a:avLst/>
+          </a:prstGeom>
+          <a:noFill/>
+          <a:ln>
+            <a:noFill/>
+          </a:ln>
+        </p:spPr>
+        <p:style>
+          <a:lnRef idx="1">
+            <a:schemeClr val="accent1"/>
+          </a:lnRef>
+          <a:fillRef idx="3">
+            <a:schemeClr val="accent1"/>
+          </a:fillRef>
+          <a:effectRef idx="2">
+            <a:schemeClr val="accent1"/>
+          </a:effectRef>
+          <a:fontRef idx="minor">
+            <a:schemeClr val="lt1"/>
+          </a:fontRef>
+        </p:style>
+        <p:txBody>
+          <a:bodyPr rtlCol="0" anchor="ctr"/>
+          <a:lstStyle/>
+          <a:p>
+            <a:pPr algn="ctr"/>
+            <a:endParaRPr lang="en-US"/>
+          </a:p>
+        </p:txBody>
+      </p:sp>
+    </p:spTree>
+    <p:extLst>
+      <p:ext uri="{BB962C8B-B14F-4D97-AF65-F5344CB8AC3E}">
+        <p14:creationId xmlns:p14="http://schemas.microsoft.com/office/powerpoint/2010/main" val="186053008"/>
+      </p:ext>
+    </p:extLst>
+  </p:cSld>
+  <p:clrMapOvr>
+    <a:masterClrMapping/>
+  </p:clrMapOvr>
+</p:sld>
+</file>
+
+<file path=ppt/slides/slide7.xml><?xml version="1.0" encoding="utf-8"?>
+<p:sld xmlns:a="http://schemas.openxmlformats.org/drawingml/2006/main" xmlns:r="http://schemas.openxmlformats.org/officeDocument/2006/relationships" xmlns:p="http://schemas.openxmlformats.org/presentationml/2006/main">
+  <p:cSld>
+    <p:spTree>
+      <p:nvGrpSpPr>
+        <p:cNvPr id="1" name=""/>
+        <p:cNvGrpSpPr/>
+        <p:nvPr/>
+      </p:nvGrpSpPr>
+      <p:grpSpPr>
+        <a:xfrm>
+          <a:off x="0" y="0"/>
+          <a:ext cx="0" cy="0"/>
+          <a:chOff x="0" y="0"/>
+          <a:chExt cx="0" cy="0"/>
+        </a:xfrm>
+      </p:grpSpPr>
+      <p:pic>
+        <p:nvPicPr>
+          <p:cNvPr id="2" name="Picture 1"/>
+          <p:cNvPicPr>
+            <a:picLocks noChangeAspect="1"/>
+          </p:cNvPicPr>
+          <p:nvPr/>
+        </p:nvPicPr>
+        <p:blipFill>
+          <a:blip r:embed="rId2"/>
+          <a:stretch>
+            <a:fillRect/>
+          </a:stretch>
+        </p:blipFill>
+        <p:spPr>
+          <a:xfrm>
+            <a:off x="3429000" y="2286000"/>
+            <a:ext cx="1874970" cy="2286000"/>
+          </a:xfrm>
+          <a:prstGeom prst="rect">
+            <a:avLst/>
+          </a:prstGeom>
+        </p:spPr>
+      </p:pic>
+      <p:pic>
+        <p:nvPicPr>
+          <p:cNvPr id="3" name="Picture 2"/>
+          <p:cNvPicPr>
+            <a:picLocks noChangeAspect="1"/>
+          </p:cNvPicPr>
+          <p:nvPr/>
+        </p:nvPicPr>
+        <p:blipFill>
+          <a:blip r:embed="rId3"/>
+          <a:stretch>
+            <a:fillRect/>
+          </a:stretch>
+        </p:blipFill>
+        <p:spPr>
+          <a:xfrm>
+            <a:off x="457200" y="2133600"/>
+            <a:ext cx="2641600" cy="2641600"/>
+          </a:xfrm>
+          <a:prstGeom prst="rect">
+            <a:avLst/>
+          </a:prstGeom>
+        </p:spPr>
+      </p:pic>
+      <p:pic>
+        <p:nvPicPr>
+          <p:cNvPr id="4" name="Picture 3"/>
+          <p:cNvPicPr>
+            <a:picLocks noChangeAspect="1"/>
+          </p:cNvPicPr>
+          <p:nvPr/>
+        </p:nvPicPr>
+        <p:blipFill>
+          <a:blip r:embed="rId4"/>
+          <a:stretch>
+            <a:fillRect/>
+          </a:stretch>
+        </p:blipFill>
+        <p:spPr>
+          <a:xfrm>
+            <a:off x="5943600" y="2362200"/>
+            <a:ext cx="2916012" cy="2413000"/>
+          </a:xfrm>
+          <a:prstGeom prst="rect">
+            <a:avLst/>
+          </a:prstGeom>
+        </p:spPr>
+      </p:pic>
+      <p:sp>
+        <p:nvSpPr>
+          <p:cNvPr id="6" name="Rectangle 5"/>
+          <p:cNvSpPr/>
+          <p:nvPr/>
+        </p:nvSpPr>
+        <p:spPr>
+          <a:xfrm>
+            <a:off x="0" y="838200"/>
+            <a:ext cx="9144000" cy="4343400"/>
+          </a:xfrm>
+          <a:prstGeom prst="rect">
+            <a:avLst/>
+          </a:prstGeom>
+          <a:noFill/>
+          <a:ln>
+            <a:noFill/>
+          </a:ln>
+        </p:spPr>
+        <p:style>
+          <a:lnRef idx="1">
+            <a:schemeClr val="accent1"/>
+          </a:lnRef>
+          <a:fillRef idx="3">
+            <a:schemeClr val="accent1"/>
+          </a:fillRef>
+          <a:effectRef idx="2">
+            <a:schemeClr val="accent1"/>
+          </a:effectRef>
+          <a:fontRef idx="minor">
+            <a:schemeClr val="lt1"/>
+          </a:fontRef>
+        </p:style>
+        <p:txBody>
+          <a:bodyPr rtlCol="0" anchor="ctr"/>
+          <a:lstStyle/>
+          <a:p>
+            <a:pPr algn="ctr"/>
+            <a:endParaRPr lang="en-US"/>
+          </a:p>
+        </p:txBody>
+      </p:sp>
+      <p:sp>
+        <p:nvSpPr>
+          <p:cNvPr id="7" name="Oval Callout 6"/>
+          <p:cNvSpPr/>
+          <p:nvPr/>
+        </p:nvSpPr>
+        <p:spPr>
+          <a:xfrm>
+            <a:off x="2362200" y="1017187"/>
+            <a:ext cx="2590800" cy="1116413"/>
+          </a:xfrm>
+          <a:prstGeom prst="wedgeEllipseCallout">
+            <a:avLst>
+              <a:gd name="adj1" fmla="val 21250"/>
+              <a:gd name="adj2" fmla="val 78287"/>
+            </a:avLst>
+          </a:prstGeom>
+          <a:noFill/>
+        </p:spPr>
+        <p:style>
+          <a:lnRef idx="3">
+            <a:schemeClr val="lt1"/>
+          </a:lnRef>
+          <a:fillRef idx="1">
+            <a:schemeClr val="dk1"/>
+          </a:fillRef>
+          <a:effectRef idx="1">
+            <a:schemeClr val="dk1"/>
+          </a:effectRef>
+          <a:fontRef idx="minor">
+            <a:schemeClr val="lt1"/>
+          </a:fontRef>
+        </p:style>
+        <p:txBody>
+          <a:bodyPr wrap="none" lIns="0" tIns="0" rIns="0" bIns="0" rtlCol="0" anchor="ctr"/>
+          <a:lstStyle/>
+          <a:p>
+            <a:pPr algn="ctr"/>
+            <a:r>
+              <a:rPr lang="en-US" dirty="0" smtClean="0">
+                <a:latin typeface="Anime Ace 2.0 BB"/>
+                <a:cs typeface="Anime Ace 2.0 BB"/>
+              </a:rPr>
+              <a:t>I work with </a:t>
+            </a:r>
+            <a:br>
+              <a:rPr lang="en-US" dirty="0" smtClean="0">
+                <a:latin typeface="Anime Ace 2.0 BB"/>
+                <a:cs typeface="Anime Ace 2.0 BB"/>
+              </a:rPr>
+            </a:br>
+            <a:r>
+              <a:rPr lang="en-US" dirty="0" err="1" smtClean="0">
+                <a:latin typeface="Anime Ace 2.0 BB"/>
+                <a:cs typeface="Anime Ace 2.0 BB"/>
+              </a:rPr>
+              <a:t>Virtualbox</a:t>
+            </a:r>
+            <a:r>
+              <a:rPr lang="en-US" dirty="0" smtClean="0">
+                <a:latin typeface="Anime Ace 2.0 BB"/>
+                <a:cs typeface="Anime Ace 2.0 BB"/>
+              </a:rPr>
+              <a:t>!</a:t>
+            </a:r>
+            <a:endParaRPr lang="en-US" dirty="0">
+              <a:latin typeface="Anime Ace 2.0 BB"/>
+              <a:cs typeface="Anime Ace 2.0 BB"/>
+            </a:endParaRPr>
+          </a:p>
+        </p:txBody>
+      </p:sp>
+    </p:spTree>
+    <p:extLst>
+      <p:ext uri="{BB962C8B-B14F-4D97-AF65-F5344CB8AC3E}">
+        <p14:creationId xmlns:p14="http://schemas.microsoft.com/office/powerpoint/2010/main" val="1398891033"/>
+      </p:ext>
+    </p:extLst>
+  </p:cSld>
+  <p:clrMapOvr>
+    <a:masterClrMapping/>
+  </p:clrMapOvr>
+</p:sld>
+</file>
+
+<file path=ppt/slides/slide8.xml><?xml version="1.0" encoding="utf-8"?>
+<p:sld xmlns:a="http://schemas.openxmlformats.org/drawingml/2006/main" xmlns:r="http://schemas.openxmlformats.org/officeDocument/2006/relationships" xmlns:p="http://schemas.openxmlformats.org/presentationml/2006/main">
+  <p:cSld>
+    <p:spTree>
+      <p:nvGrpSpPr>
+        <p:cNvPr id="1" name=""/>
+        <p:cNvGrpSpPr/>
+        <p:nvPr/>
+      </p:nvGrpSpPr>
+      <p:grpSpPr>
+        <a:xfrm>
+          <a:off x="0" y="0"/>
+          <a:ext cx="0" cy="0"/>
+          <a:chOff x="0" y="0"/>
+          <a:chExt cx="0" cy="0"/>
+        </a:xfrm>
+      </p:grpSpPr>
+      <p:pic>
+        <p:nvPicPr>
+          <p:cNvPr id="2" name="Picture 1"/>
+          <p:cNvPicPr>
+            <a:picLocks noChangeAspect="1"/>
+          </p:cNvPicPr>
+          <p:nvPr/>
+        </p:nvPicPr>
+        <p:blipFill>
+          <a:blip r:embed="rId2"/>
+          <a:stretch>
+            <a:fillRect/>
+          </a:stretch>
+        </p:blipFill>
+        <p:spPr>
+          <a:xfrm>
+            <a:off x="3429000" y="2286000"/>
+            <a:ext cx="1874970" cy="2286000"/>
+          </a:xfrm>
+          <a:prstGeom prst="rect">
+            <a:avLst/>
+          </a:prstGeom>
+        </p:spPr>
+      </p:pic>
+      <p:pic>
+        <p:nvPicPr>
+          <p:cNvPr id="3" name="Picture 2"/>
+          <p:cNvPicPr>
+            <a:picLocks noChangeAspect="1"/>
+          </p:cNvPicPr>
+          <p:nvPr/>
+        </p:nvPicPr>
+        <p:blipFill>
+          <a:blip r:embed="rId3"/>
+          <a:stretch>
+            <a:fillRect/>
+          </a:stretch>
+        </p:blipFill>
+        <p:spPr>
+          <a:xfrm>
+            <a:off x="457200" y="2133600"/>
+            <a:ext cx="2641600" cy="2641600"/>
+          </a:xfrm>
+          <a:prstGeom prst="rect">
+            <a:avLst/>
+          </a:prstGeom>
+        </p:spPr>
+      </p:pic>
+      <p:pic>
+        <p:nvPicPr>
+          <p:cNvPr id="4" name="Picture 3"/>
+          <p:cNvPicPr>
+            <a:picLocks noChangeAspect="1"/>
+          </p:cNvPicPr>
+          <p:nvPr/>
+        </p:nvPicPr>
+        <p:blipFill>
+          <a:blip r:embed="rId4"/>
+          <a:stretch>
+            <a:fillRect/>
+          </a:stretch>
+        </p:blipFill>
+        <p:spPr>
+          <a:xfrm>
+            <a:off x="5943600" y="2362200"/>
+            <a:ext cx="2916012" cy="2413000"/>
+          </a:xfrm>
+          <a:prstGeom prst="rect">
+            <a:avLst/>
+          </a:prstGeom>
+        </p:spPr>
+      </p:pic>
+      <p:sp>
+        <p:nvSpPr>
+          <p:cNvPr id="5" name="Oval Callout 4"/>
+          <p:cNvSpPr/>
+          <p:nvPr/>
+        </p:nvSpPr>
+        <p:spPr>
+          <a:xfrm>
+            <a:off x="5638800" y="1011072"/>
+            <a:ext cx="2590800" cy="1116413"/>
+          </a:xfrm>
+          <a:prstGeom prst="wedgeEllipseCallout">
+            <a:avLst>
+              <a:gd name="adj1" fmla="val -10037"/>
+              <a:gd name="adj2" fmla="val 121048"/>
+            </a:avLst>
+          </a:prstGeom>
+          <a:noFill/>
+        </p:spPr>
+        <p:style>
+          <a:lnRef idx="3">
+            <a:schemeClr val="lt1"/>
+          </a:lnRef>
+          <a:fillRef idx="1">
+            <a:schemeClr val="dk1"/>
+          </a:fillRef>
+          <a:effectRef idx="1">
+            <a:schemeClr val="dk1"/>
+          </a:effectRef>
+          <a:fontRef idx="minor">
+            <a:schemeClr val="lt1"/>
+          </a:fontRef>
+        </p:style>
+        <p:txBody>
+          <a:bodyPr wrap="none" lIns="0" tIns="0" rIns="0" bIns="0" rtlCol="0" anchor="ctr"/>
+          <a:lstStyle/>
+          <a:p>
+            <a:pPr algn="ctr"/>
+            <a:r>
+              <a:rPr lang="en-US" dirty="0" smtClean="0">
+                <a:latin typeface="Anime Ace 2.0 BB"/>
+                <a:cs typeface="Anime Ace 2.0 BB"/>
+              </a:rPr>
+              <a:t>Containers</a:t>
+            </a:r>
+          </a:p>
+          <a:p>
+            <a:pPr algn="ctr"/>
+            <a:r>
+              <a:rPr lang="en-US" dirty="0" smtClean="0">
+                <a:latin typeface="Anime Ace 2.0 BB"/>
+                <a:cs typeface="Anime Ace 2.0 BB"/>
+              </a:rPr>
+              <a:t>Are different!</a:t>
+            </a:r>
+            <a:endParaRPr lang="en-US" dirty="0">
+              <a:latin typeface="Anime Ace 2.0 BB"/>
+              <a:cs typeface="Anime Ace 2.0 BB"/>
+            </a:endParaRPr>
+          </a:p>
+        </p:txBody>
+      </p:sp>
+      <p:sp>
+        <p:nvSpPr>
+          <p:cNvPr id="6" name="Rectangle 5"/>
+          <p:cNvSpPr/>
+          <p:nvPr/>
+        </p:nvSpPr>
+        <p:spPr>
+          <a:xfrm>
+            <a:off x="0" y="838200"/>
+            <a:ext cx="9144000" cy="4343400"/>
+          </a:xfrm>
+          <a:prstGeom prst="rect">
+            <a:avLst/>
+          </a:prstGeom>
+          <a:noFill/>
+          <a:ln>
+            <a:noFill/>
+          </a:ln>
+        </p:spPr>
+        <p:style>
+          <a:lnRef idx="1">
+            <a:schemeClr val="accent1"/>
+          </a:lnRef>
+          <a:fillRef idx="3">
+            <a:schemeClr val="accent1"/>
+          </a:fillRef>
+          <a:effectRef idx="2">
+            <a:schemeClr val="accent1"/>
+          </a:effectRef>
+          <a:fontRef idx="minor">
+            <a:schemeClr val="lt1"/>
+          </a:fontRef>
+        </p:style>
+        <p:txBody>
+          <a:bodyPr rtlCol="0" anchor="ctr"/>
+          <a:lstStyle/>
+          <a:p>
+            <a:pPr algn="ctr"/>
+            <a:endParaRPr lang="en-US"/>
+          </a:p>
+        </p:txBody>
+      </p:sp>
+      <p:sp>
+        <p:nvSpPr>
+          <p:cNvPr id="7" name="Oval Callout 6"/>
+          <p:cNvSpPr/>
+          <p:nvPr/>
+        </p:nvSpPr>
+        <p:spPr>
+          <a:xfrm>
+            <a:off x="2362200" y="1017187"/>
+            <a:ext cx="2590800" cy="1116413"/>
+          </a:xfrm>
+          <a:prstGeom prst="wedgeEllipseCallout">
+            <a:avLst>
+              <a:gd name="adj1" fmla="val 21250"/>
+              <a:gd name="adj2" fmla="val 78287"/>
+            </a:avLst>
+          </a:prstGeom>
+          <a:noFill/>
+        </p:spPr>
+        <p:style>
+          <a:lnRef idx="3">
+            <a:schemeClr val="lt1"/>
+          </a:lnRef>
+          <a:fillRef idx="1">
+            <a:schemeClr val="dk1"/>
+          </a:fillRef>
+          <a:effectRef idx="1">
+            <a:schemeClr val="dk1"/>
+          </a:effectRef>
+          <a:fontRef idx="minor">
+            <a:schemeClr val="lt1"/>
+          </a:fontRef>
+        </p:style>
+        <p:txBody>
+          <a:bodyPr wrap="none" lIns="0" tIns="0" rIns="0" bIns="0" rtlCol="0" anchor="ctr"/>
+          <a:lstStyle/>
+          <a:p>
+            <a:pPr algn="ctr"/>
+            <a:r>
+              <a:rPr lang="en-US" dirty="0" smtClean="0">
+                <a:latin typeface="Anime Ace 2.0 BB"/>
+                <a:cs typeface="Anime Ace 2.0 BB"/>
+              </a:rPr>
+              <a:t>I work with </a:t>
+            </a:r>
+            <a:br>
+              <a:rPr lang="en-US" dirty="0" smtClean="0">
+                <a:latin typeface="Anime Ace 2.0 BB"/>
+                <a:cs typeface="Anime Ace 2.0 BB"/>
+              </a:rPr>
+            </a:br>
+            <a:r>
+              <a:rPr lang="en-US" dirty="0" err="1" smtClean="0">
+                <a:latin typeface="Anime Ace 2.0 BB"/>
+                <a:cs typeface="Anime Ace 2.0 BB"/>
+              </a:rPr>
+              <a:t>Virtualbox</a:t>
+            </a:r>
+            <a:r>
+              <a:rPr lang="en-US" dirty="0" smtClean="0">
+                <a:latin typeface="Anime Ace 2.0 BB"/>
+                <a:cs typeface="Anime Ace 2.0 BB"/>
+              </a:rPr>
+              <a:t>!</a:t>
+            </a:r>
+            <a:endParaRPr lang="en-US" dirty="0">
+              <a:latin typeface="Anime Ace 2.0 BB"/>
+              <a:cs typeface="Anime Ace 2.0 BB"/>
+            </a:endParaRPr>
+          </a:p>
+        </p:txBody>
+      </p:sp>
+    </p:spTree>
+    <p:extLst>
+      <p:ext uri="{BB962C8B-B14F-4D97-AF65-F5344CB8AC3E}">
+        <p14:creationId xmlns:p14="http://schemas.microsoft.com/office/powerpoint/2010/main" val="927908422"/>
+      </p:ext>
+    </p:extLst>
+  </p:cSld>
+  <p:clrMapOvr>
+    <a:masterClrMapping/>
+  </p:clrMapOvr>
+</p:sld>
+</file>
+
+<file path=ppt/slides/slide9.xml><?xml version="1.0" encoding="utf-8"?>
+<p:sld xmlns:a="http://schemas.openxmlformats.org/drawingml/2006/main" xmlns:r="http://schemas.openxmlformats.org/officeDocument/2006/relationships" xmlns:p="http://schemas.openxmlformats.org/presentationml/2006/main">
+  <p:cSld>
+    <p:spTree>
+      <p:nvGrpSpPr>
+        <p:cNvPr id="1" name=""/>
+        <p:cNvGrpSpPr/>
+        <p:nvPr/>
+      </p:nvGrpSpPr>
+      <p:grpSpPr>
+        <a:xfrm>
+          <a:off x="0" y="0"/>
+          <a:ext cx="0" cy="0"/>
+          <a:chOff x="0" y="0"/>
+          <a:chExt cx="0" cy="0"/>
+        </a:xfrm>
+      </p:grpSpPr>
+      <p:sp>
+        <p:nvSpPr>
+          <p:cNvPr id="3" name="TextBox 2"/>
+          <p:cNvSpPr txBox="1"/>
+          <p:nvPr/>
+        </p:nvSpPr>
+        <p:spPr>
+          <a:xfrm>
+            <a:off x="2206554" y="2390079"/>
+            <a:ext cx="575975" cy="1569660"/>
+          </a:xfrm>
+          <a:prstGeom prst="rect">
+            <a:avLst/>
+          </a:prstGeom>
+          <a:noFill/>
+        </p:spPr>
+        <p:txBody>
+          <a:bodyPr wrap="square" rtlCol="0">
+            <a:spAutoFit/>
+          </a:bodyPr>
+          <a:lstStyle/>
+          <a:p>
+            <a:pPr algn="ctr"/>
+            <a:r>
+              <a:rPr lang="en-US" sz="3200" dirty="0" smtClean="0">
+                <a:solidFill>
+                  <a:schemeClr val="bg1"/>
+                </a:solidFill>
+                <a:latin typeface="Anime Ace 2.0 BB"/>
+                <a:cs typeface="Anime Ace 2.0 BB"/>
+              </a:rPr>
+              <a:t>W</a:t>
+            </a:r>
+            <a:br>
+              <a:rPr lang="en-US" sz="3200" dirty="0" smtClean="0">
+                <a:solidFill>
+                  <a:schemeClr val="bg1"/>
+                </a:solidFill>
+                <a:latin typeface="Anime Ace 2.0 BB"/>
+                <a:cs typeface="Anime Ace 2.0 BB"/>
+              </a:rPr>
+            </a:br>
+            <a:r>
+              <a:rPr lang="en-US" sz="3200" dirty="0" smtClean="0">
+                <a:solidFill>
+                  <a:schemeClr val="bg1"/>
+                </a:solidFill>
+                <a:latin typeface="Anime Ace 2.0 BB"/>
+                <a:cs typeface="Anime Ace 2.0 BB"/>
+              </a:rPr>
+              <a:t>L</a:t>
+            </a:r>
+          </a:p>
+          <a:p>
+            <a:pPr algn="ctr"/>
+            <a:r>
+              <a:rPr lang="en-US" sz="3200" dirty="0" smtClean="0">
+                <a:solidFill>
+                  <a:schemeClr val="bg1"/>
+                </a:solidFill>
+                <a:latin typeface="Anime Ace 2.0 BB"/>
+                <a:cs typeface="Anime Ace 2.0 BB"/>
+              </a:rPr>
+              <a:t>M</a:t>
+            </a:r>
+            <a:endParaRPr lang="en-US" sz="3200" dirty="0">
+              <a:solidFill>
+                <a:schemeClr val="bg1"/>
+              </a:solidFill>
+              <a:latin typeface="Anime Ace 2.0 BB"/>
+              <a:cs typeface="Anime Ace 2.0 BB"/>
+            </a:endParaRPr>
+          </a:p>
+        </p:txBody>
+      </p:sp>
+      <p:sp>
+        <p:nvSpPr>
+          <p:cNvPr id="2" name="TextBox 1"/>
+          <p:cNvSpPr txBox="1"/>
+          <p:nvPr/>
+        </p:nvSpPr>
+        <p:spPr>
+          <a:xfrm>
+            <a:off x="2667000" y="2869338"/>
+            <a:ext cx="1197930" cy="584776"/>
+          </a:xfrm>
+          <a:prstGeom prst="rect">
+            <a:avLst/>
+          </a:prstGeom>
+          <a:noFill/>
+        </p:spPr>
+        <p:txBody>
+          <a:bodyPr wrap="square" rtlCol="0">
+            <a:spAutoFit/>
+          </a:bodyPr>
+          <a:lstStyle/>
+          <a:p>
+            <a:r>
+              <a:rPr lang="en-US" sz="3200" dirty="0" smtClean="0">
+                <a:solidFill>
+                  <a:schemeClr val="bg1"/>
+                </a:solidFill>
+                <a:latin typeface="Anime Ace 2.0 BB"/>
+                <a:cs typeface="Anime Ace 2.0 BB"/>
+              </a:rPr>
+              <a:t>AMP</a:t>
+            </a:r>
+            <a:endParaRPr lang="en-US" sz="3200" dirty="0">
+              <a:solidFill>
+                <a:schemeClr val="bg1"/>
+              </a:solidFill>
+              <a:latin typeface="Anime Ace 2.0 BB"/>
+              <a:cs typeface="Anime Ace 2.0 BB"/>
+            </a:endParaRPr>
+          </a:p>
+        </p:txBody>
+      </p:sp>
+      <p:sp>
+        <p:nvSpPr>
+          <p:cNvPr id="4" name="Rectangle 3"/>
+          <p:cNvSpPr/>
+          <p:nvPr/>
+        </p:nvSpPr>
+        <p:spPr>
+          <a:xfrm>
+            <a:off x="2244732" y="2419217"/>
+            <a:ext cx="5161" cy="1524000"/>
+          </a:xfrm>
+          <a:prstGeom prst="rect">
+            <a:avLst/>
+          </a:prstGeom>
+          <a:gradFill>
+            <a:gsLst>
+              <a:gs pos="0">
+                <a:schemeClr val="bg1">
+                  <a:alpha val="0"/>
+                </a:schemeClr>
+              </a:gs>
+              <a:gs pos="100000">
+                <a:schemeClr val="bg1">
+                  <a:alpha val="0"/>
+                </a:schemeClr>
+              </a:gs>
+              <a:gs pos="50000">
+                <a:schemeClr val="bg1">
+                  <a:lumMod val="95000"/>
+                </a:schemeClr>
+              </a:gs>
+            </a:gsLst>
+          </a:gradFill>
+          <a:ln>
+            <a:noFill/>
+          </a:ln>
+        </p:spPr>
+        <p:style>
+          <a:lnRef idx="1">
+            <a:schemeClr val="accent1"/>
+          </a:lnRef>
+          <a:fillRef idx="3">
+            <a:schemeClr val="accent1"/>
+          </a:fillRef>
+          <a:effectRef idx="2">
+            <a:schemeClr val="accent1"/>
+          </a:effectRef>
+          <a:fontRef idx="minor">
+            <a:schemeClr val="lt1"/>
+          </a:fontRef>
+        </p:style>
+        <p:txBody>
+          <a:bodyPr rtlCol="0" anchor="ctr"/>
+          <a:lstStyle/>
+          <a:p>
+            <a:pPr algn="ctr"/>
+            <a:endParaRPr lang="en-US" sz="2400"/>
+          </a:p>
+        </p:txBody>
+      </p:sp>
+      <p:sp>
+        <p:nvSpPr>
+          <p:cNvPr id="5" name="Rectangle 4"/>
+          <p:cNvSpPr/>
+          <p:nvPr/>
+        </p:nvSpPr>
+        <p:spPr>
+          <a:xfrm>
+            <a:off x="2713371" y="2419217"/>
+            <a:ext cx="5161" cy="1524000"/>
+          </a:xfrm>
+          <a:prstGeom prst="rect">
+            <a:avLst/>
+          </a:prstGeom>
+          <a:gradFill>
+            <a:gsLst>
+              <a:gs pos="0">
+                <a:schemeClr val="bg1">
+                  <a:alpha val="0"/>
+                </a:schemeClr>
+              </a:gs>
+              <a:gs pos="100000">
+                <a:schemeClr val="bg1">
+                  <a:alpha val="0"/>
+                </a:schemeClr>
+              </a:gs>
+              <a:gs pos="50000">
+                <a:schemeClr val="bg1">
+                  <a:lumMod val="95000"/>
+                </a:schemeClr>
+              </a:gs>
+            </a:gsLst>
+          </a:gradFill>
+          <a:ln>
+            <a:noFill/>
+          </a:ln>
+        </p:spPr>
+        <p:style>
+          <a:lnRef idx="1">
+            <a:schemeClr val="accent1"/>
+          </a:lnRef>
+          <a:fillRef idx="3">
+            <a:schemeClr val="accent1"/>
+          </a:fillRef>
+          <a:effectRef idx="2">
+            <a:schemeClr val="accent1"/>
+          </a:effectRef>
+          <a:fontRef idx="minor">
+            <a:schemeClr val="lt1"/>
+          </a:fontRef>
+        </p:style>
+        <p:txBody>
+          <a:bodyPr rtlCol="0" anchor="ctr"/>
+          <a:lstStyle/>
+          <a:p>
+            <a:pPr algn="ctr"/>
+            <a:endParaRPr lang="en-US" sz="2400"/>
+          </a:p>
+        </p:txBody>
+      </p:sp>
+      <p:pic>
+        <p:nvPicPr>
+          <p:cNvPr id="7" name="Picture 6" descr="Screen Shot 2015-04-07 at 12.24.16 PM.png"/>
+          <p:cNvPicPr>
+            <a:picLocks noChangeAspect="1"/>
+          </p:cNvPicPr>
+          <p:nvPr/>
+        </p:nvPicPr>
+        <p:blipFill>
+          <a:blip r:embed="rId2">
+            <a:clrChange>
+              <a:clrFrom>
+                <a:srgbClr val="000000"/>
+              </a:clrFrom>
+              <a:clrTo>
+                <a:srgbClr val="000000">
+                  <a:alpha val="0"/>
+                </a:srgbClr>
+              </a:clrTo>
+            </a:clrChange>
+            <a:extLst>
+              <a:ext uri="{28A0092B-C50C-407E-A947-70E740481C1C}">
+                <a14:useLocalDpi xmlns:a14="http://schemas.microsoft.com/office/drawing/2010/main" val="0"/>
+              </a:ext>
+            </a:extLst>
+          </a:blip>
+          <a:stretch>
+            <a:fillRect/>
+          </a:stretch>
+        </p:blipFill>
+        <p:spPr>
+          <a:xfrm>
+            <a:off x="5181600" y="2209800"/>
+            <a:ext cx="1478685" cy="2032000"/>
+          </a:xfrm>
+          <a:prstGeom prst="rect">
+            <a:avLst/>
+          </a:prstGeom>
+        </p:spPr>
+      </p:pic>
+      <p:sp>
+        <p:nvSpPr>
+          <p:cNvPr id="8" name="Rectangle 7"/>
+          <p:cNvSpPr/>
+          <p:nvPr/>
+        </p:nvSpPr>
+        <p:spPr>
+          <a:xfrm>
+            <a:off x="0" y="1295400"/>
+            <a:ext cx="9144000" cy="3657600"/>
+          </a:xfrm>
+          <a:prstGeom prst="rect">
+            <a:avLst/>
+          </a:prstGeom>
+          <a:noFill/>
+          <a:ln>
+            <a:noFill/>
+          </a:ln>
+        </p:spPr>
+        <p:style>
+          <a:lnRef idx="1">
+            <a:schemeClr val="accent1"/>
+          </a:lnRef>
+          <a:fillRef idx="3">
+            <a:schemeClr val="accent1"/>
+          </a:fillRef>
+          <a:effectRef idx="2">
+            <a:schemeClr val="accent1"/>
+          </a:effectRef>
+          <a:fontRef idx="minor">
+            <a:schemeClr val="lt1"/>
+          </a:fontRef>
+        </p:style>
+        <p:txBody>
+          <a:bodyPr rtlCol="0" anchor="ctr"/>
+          <a:lstStyle/>
+          <a:p>
+            <a:pPr algn="ctr"/>
+            <a:endParaRPr lang="en-US"/>
+          </a:p>
+        </p:txBody>
+      </p:sp>
+    </p:spTree>
+    <p:extLst>
+      <p:ext uri="{BB962C8B-B14F-4D97-AF65-F5344CB8AC3E}">
+        <p14:creationId xmlns:p14="http://schemas.microsoft.com/office/powerpoint/2010/main" val="28728010"/>
+      </p:ext>
+    </p:extLst>
+  </p:cSld>
+  <p:clrMapOvr>
+    <a:masterClrMapping/>
+  </p:clrMapOvr>
+  <p:timing>
+    <p:tnLst>
+      <p:par>
+        <p:cTn xmlns:p14="http://schemas.microsoft.com/office/powerpoint/2010/main" id="1" dur="indefinite" restart="never" nodeType="tmRoot"/>
+      </p:par>
+    </p:tnLst>
+  </p:timing>
+</p:sld>
+</file>
+
 <file path=ppt/theme/theme1.xml><?xml version="1.0" encoding="utf-8"?>
 <a:theme xmlns:a="http://schemas.openxmlformats.org/drawingml/2006/main" name="Office Theme">
   <a:themeElements>
